--- a/docs-website/schema bimo.pptx
+++ b/docs-website/schema bimo.pptx
@@ -5,10 +5,11 @@
     <p:sldMasterId id="2147483648" r:id="rId1"/>
   </p:sldMasterIdLst>
   <p:notesMasterIdLst>
-    <p:notesMasterId r:id="rId3"/>
+    <p:notesMasterId r:id="rId4"/>
   </p:notesMasterIdLst>
   <p:sldIdLst>
     <p:sldId id="399" r:id="rId2"/>
+    <p:sldId id="400" r:id="rId3"/>
   </p:sldIdLst>
   <p:sldSz cx="12192000" cy="6858000"/>
   <p:notesSz cx="6858000" cy="9144000"/>
@@ -107,6 +108,11 @@
       </a:defRPr>
     </a:lvl9pPr>
   </p:defaultTextStyle>
+  <p:extLst>
+    <p:ext uri="{EFAFB233-063F-42B5-8137-9DF3F51BA10A}">
+      <p15:sldGuideLst xmlns:p15="http://schemas.microsoft.com/office/powerpoint/2012/main"/>
+    </p:ext>
+  </p:extLst>
 </p:presentation>
 </file>
 
@@ -192,7 +198,7 @@
           <a:p>
             <a:fld id="{BFF7C3F4-B408-462C-BB64-2AE88A2B41C3}" type="datetimeFigureOut">
               <a:rPr lang="fr-FR" smtClean="0"/>
-              <a:t>03/06/2024</a:t>
+              <a:t>09/06/2024</a:t>
             </a:fld>
             <a:endParaRPr lang="fr-FR"/>
           </a:p>
@@ -787,6 +793,334 @@
 </p:notes>
 </file>
 
+<file path=ppt/notesSlides/notesSlide2.xml><?xml version="1.0" encoding="utf-8"?>
+<p:notes xmlns:a="http://schemas.openxmlformats.org/drawingml/2006/main" xmlns:r="http://schemas.openxmlformats.org/officeDocument/2006/relationships" xmlns:p="http://schemas.openxmlformats.org/presentationml/2006/main">
+  <p:cSld>
+    <p:spTree>
+      <p:nvGrpSpPr>
+        <p:cNvPr id="1" name=""/>
+        <p:cNvGrpSpPr/>
+        <p:nvPr/>
+      </p:nvGrpSpPr>
+      <p:grpSpPr>
+        <a:xfrm>
+          <a:off x="0" y="0"/>
+          <a:ext cx="0" cy="0"/>
+          <a:chOff x="0" y="0"/>
+          <a:chExt cx="0" cy="0"/>
+        </a:xfrm>
+      </p:grpSpPr>
+      <p:sp>
+        <p:nvSpPr>
+          <p:cNvPr id="2" name="Espace réservé de l'image des diapositives 1"/>
+          <p:cNvSpPr>
+            <a:spLocks noGrp="1" noRot="1" noChangeAspect="1"/>
+          </p:cNvSpPr>
+          <p:nvPr>
+            <p:ph type="sldImg"/>
+          </p:nvPr>
+        </p:nvSpPr>
+        <p:spPr/>
+      </p:sp>
+      <p:sp>
+        <p:nvSpPr>
+          <p:cNvPr id="3" name="Espace réservé des notes 2"/>
+          <p:cNvSpPr>
+            <a:spLocks noGrp="1"/>
+          </p:cNvSpPr>
+          <p:nvPr>
+            <p:ph type="body" idx="1"/>
+          </p:nvPr>
+        </p:nvSpPr>
+        <p:spPr/>
+        <p:txBody>
+          <a:bodyPr/>
+          <a:lstStyle/>
+          <a:p>
+            <a:r>
+              <a:rPr lang="fr-CA" dirty="0"/>
+              <a:t>Qu’est-ce qu’il y a à l’intérieur d’</a:t>
+            </a:r>
+            <a:r>
+              <a:rPr lang="fr-CA" dirty="0" err="1"/>
+              <a:t>Bimo</a:t>
+            </a:r>
+            <a:r>
+              <a:rPr lang="fr-CA" dirty="0"/>
+              <a:t> ?</a:t>
+            </a:r>
+          </a:p>
+          <a:p>
+            <a:r>
+              <a:rPr lang="fr-CA" dirty="0"/>
+              <a:t>Pour l’</a:t>
+            </a:r>
+            <a:r>
+              <a:rPr lang="fr-CA" dirty="0" err="1"/>
+              <a:t>isntant</a:t>
+            </a:r>
+            <a:r>
+              <a:rPr lang="fr-CA" dirty="0"/>
+              <a:t>, vous avez vu l’IHM.</a:t>
+            </a:r>
+          </a:p>
+          <a:p>
+            <a:r>
+              <a:rPr lang="fr-CA" dirty="0"/>
+              <a:t>Cette IHM communique avec la brique que j’ai ici </a:t>
+            </a:r>
+            <a:r>
+              <a:rPr lang="fr-CA" dirty="0" err="1"/>
+              <a:t>appellé</a:t>
+            </a:r>
+            <a:r>
+              <a:rPr lang="fr-CA" dirty="0"/>
+              <a:t> « Serveur », qui expose une API REST, que l’IHM appelle pour lancer des tâches en utilisant des services.</a:t>
+            </a:r>
+          </a:p>
+          <a:p>
+            <a:r>
+              <a:rPr lang="fr-CA" dirty="0"/>
+              <a:t>Les services manipulent des entités </a:t>
+            </a:r>
+            <a:r>
+              <a:rPr lang="fr-CA" dirty="0" err="1"/>
+              <a:t>Bimo</a:t>
+            </a:r>
+            <a:r>
+              <a:rPr lang="fr-CA" dirty="0"/>
+              <a:t>, par exemple, des horaires de véhicules, des versions de lignes, des versions de temps de parcours.</a:t>
+            </a:r>
+          </a:p>
+          <a:p>
+            <a:r>
+              <a:rPr lang="fr-CA" dirty="0"/>
+              <a:t>Ça, c’est le cœur d’</a:t>
+            </a:r>
+            <a:r>
+              <a:rPr lang="fr-CA" dirty="0" err="1"/>
+              <a:t>Bimo</a:t>
+            </a:r>
+            <a:r>
+              <a:rPr lang="fr-CA" dirty="0"/>
+              <a:t>, qui ne peut en réalité pas faire grand-chose, tant qu’on ne lui ajoute pas des plugins.</a:t>
+            </a:r>
+          </a:p>
+          <a:p>
+            <a:r>
+              <a:rPr lang="fr-CA" dirty="0"/>
+              <a:t>Premier plug in: </a:t>
+            </a:r>
+            <a:r>
+              <a:rPr lang="fr-CA" dirty="0" err="1"/>
+              <a:t>Hastus</a:t>
+            </a:r>
+            <a:r>
+              <a:rPr lang="fr-CA" dirty="0"/>
+              <a:t>. On a donc une appli externe, </a:t>
+            </a:r>
+            <a:r>
+              <a:rPr lang="fr-CA" dirty="0" err="1"/>
+              <a:t>Hastus</a:t>
+            </a:r>
+            <a:r>
+              <a:rPr lang="fr-CA" dirty="0"/>
+              <a:t>, qui lit ou écrit des fichiers .txt. On a du code dans le plugin qui sait lire ces fichiers et les charger en mémoire sous forme d’entités </a:t>
+            </a:r>
+            <a:r>
+              <a:rPr lang="fr-CA" dirty="0" err="1"/>
+              <a:t>Hastus</a:t>
+            </a:r>
+            <a:r>
+              <a:rPr lang="fr-CA" dirty="0"/>
+              <a:t>, et du code qui sait transcoder ces entités </a:t>
+            </a:r>
+            <a:r>
+              <a:rPr lang="fr-CA" dirty="0" err="1"/>
+              <a:t>Hastus</a:t>
+            </a:r>
+            <a:r>
+              <a:rPr lang="fr-CA" dirty="0"/>
+              <a:t> en entités </a:t>
+            </a:r>
+            <a:r>
+              <a:rPr lang="fr-CA" dirty="0" err="1"/>
+              <a:t>Bimo</a:t>
+            </a:r>
+            <a:r>
+              <a:rPr lang="fr-CA" dirty="0"/>
+              <a:t>.</a:t>
+            </a:r>
+          </a:p>
+          <a:p>
+            <a:r>
+              <a:rPr lang="fr-CA" dirty="0"/>
+              <a:t>Petite particularité pour le plugin </a:t>
+            </a:r>
+            <a:r>
+              <a:rPr lang="fr-CA" dirty="0" err="1"/>
+              <a:t>Hastus</a:t>
+            </a:r>
+            <a:r>
+              <a:rPr lang="fr-CA" dirty="0"/>
+              <a:t>: les entités </a:t>
+            </a:r>
+            <a:r>
+              <a:rPr lang="fr-CA" dirty="0" err="1"/>
+              <a:t>Bimo</a:t>
+            </a:r>
+            <a:r>
+              <a:rPr lang="fr-CA" dirty="0"/>
+              <a:t> sont très </a:t>
+            </a:r>
+            <a:r>
+              <a:rPr lang="fr-CA" dirty="0" err="1"/>
+              <a:t>très</a:t>
+            </a:r>
+            <a:r>
+              <a:rPr lang="fr-CA" dirty="0"/>
+              <a:t> fortement inspirées des entités </a:t>
+            </a:r>
+            <a:r>
+              <a:rPr lang="fr-CA" dirty="0" err="1"/>
+              <a:t>Hastus</a:t>
+            </a:r>
+            <a:r>
+              <a:rPr lang="fr-CA" dirty="0"/>
+              <a:t>, donc en fait la transcodification n’existe pas vraiment pour le moment, et la réalité ressemble plutôt à ceci: le plugin </a:t>
+            </a:r>
+            <a:r>
+              <a:rPr lang="fr-CA" dirty="0" err="1"/>
+              <a:t>Hatus</a:t>
+            </a:r>
+            <a:r>
+              <a:rPr lang="fr-CA" dirty="0"/>
+              <a:t> est en fait surtout un module assez poussé de transcodification de fichiers.txt en format JSON sur la base de fichiers de contrôle OIG/OIR</a:t>
+            </a:r>
+          </a:p>
+          <a:p>
+            <a:r>
+              <a:rPr lang="fr-CA" dirty="0"/>
+              <a:t>Cette structure de plugin est la même pour tous les plugins, que ce soit Concorde, </a:t>
+            </a:r>
+            <a:r>
+              <a:rPr lang="fr-CA" dirty="0" err="1"/>
+              <a:t>Agahte</a:t>
+            </a:r>
+            <a:r>
+              <a:rPr lang="fr-CA" dirty="0"/>
+              <a:t>, Les Halles, ou Excel.</a:t>
+            </a:r>
+          </a:p>
+          <a:p>
+            <a:r>
+              <a:rPr lang="fr-CA" dirty="0" err="1"/>
+              <a:t>Particulartié</a:t>
+            </a:r>
+            <a:r>
+              <a:rPr lang="fr-CA" dirty="0"/>
+              <a:t> pour Les Halles, les échanges ne sont pas basés sur des fichiers, mais bien sur les api.</a:t>
+            </a:r>
+          </a:p>
+          <a:p>
+            <a:r>
+              <a:rPr lang="fr-CA" dirty="0"/>
+              <a:t>Entre Agathe, Les </a:t>
+            </a:r>
+            <a:r>
+              <a:rPr lang="fr-CA" dirty="0" err="1"/>
+              <a:t>Hallles</a:t>
+            </a:r>
+            <a:r>
+              <a:rPr lang="fr-CA" dirty="0"/>
+              <a:t>, Excel et les entités </a:t>
+            </a:r>
+            <a:r>
+              <a:rPr lang="fr-CA" dirty="0" err="1"/>
+              <a:t>Bimo</a:t>
+            </a:r>
+            <a:r>
+              <a:rPr lang="fr-CA" dirty="0"/>
+              <a:t>, la couche de </a:t>
+            </a:r>
+            <a:r>
+              <a:rPr lang="fr-CA" dirty="0" err="1"/>
+              <a:t>transco</a:t>
+            </a:r>
+            <a:r>
+              <a:rPr lang="fr-CA" dirty="0"/>
+              <a:t> est assez simple: on ne manipule que des courses, et il n’y a pas des tonnes de manières de modéliser des courses. Entre Concorde et </a:t>
+            </a:r>
+            <a:r>
+              <a:rPr lang="fr-CA" dirty="0" err="1"/>
+              <a:t>Bimo</a:t>
+            </a:r>
+            <a:r>
+              <a:rPr lang="fr-CA" dirty="0"/>
+              <a:t>, c’est plus costaud: la modélisation des roulements MR est assez différente.</a:t>
+            </a:r>
+          </a:p>
+          <a:p>
+            <a:endParaRPr lang="fr-CA" dirty="0"/>
+          </a:p>
+          <a:p>
+            <a:r>
+              <a:rPr lang="fr-CA" dirty="0"/>
+              <a:t>On pourrait évidemment assez facilement ajouter de nouveaux plugins. On pourrait imaginer des choses autour du format GTFS, ou Rail ML, ou Sirocco pour la RATP, ou </a:t>
+            </a:r>
+            <a:r>
+              <a:rPr lang="fr-CA" dirty="0" err="1"/>
+              <a:t>NETEx</a:t>
+            </a:r>
+            <a:r>
+              <a:rPr lang="fr-CA" dirty="0"/>
+              <a:t> ….</a:t>
+            </a:r>
+          </a:p>
+          <a:p>
+            <a:r>
+              <a:rPr lang="fr-CA" dirty="0"/>
+              <a:t>Voyons concrètement comment se déplacent les données dans cette structure.</a:t>
+            </a:r>
+          </a:p>
+        </p:txBody>
+      </p:sp>
+      <p:sp>
+        <p:nvSpPr>
+          <p:cNvPr id="4" name="Espace réservé du numéro de diapositive 3"/>
+          <p:cNvSpPr>
+            <a:spLocks noGrp="1"/>
+          </p:cNvSpPr>
+          <p:nvPr>
+            <p:ph type="sldNum" sz="quarter" idx="5"/>
+          </p:nvPr>
+        </p:nvSpPr>
+        <p:spPr/>
+        <p:txBody>
+          <a:bodyPr/>
+          <a:lstStyle/>
+          <a:p>
+            <a:fld id="{A7B077DD-8F72-4432-8F1E-B5ED0A9D2341}" type="slidenum">
+              <a:rPr lang="fr-CA" smtClean="0"/>
+              <a:t>2</a:t>
+            </a:fld>
+            <a:endParaRPr lang="fr-CA"/>
+          </a:p>
+        </p:txBody>
+      </p:sp>
+    </p:spTree>
+    <p:extLst>
+      <p:ext uri="{BB962C8B-B14F-4D97-AF65-F5344CB8AC3E}">
+        <p14:creationId xmlns:p14="http://schemas.microsoft.com/office/powerpoint/2010/main" val="614206259"/>
+      </p:ext>
+    </p:extLst>
+  </p:cSld>
+  <p:clrMapOvr>
+    <a:masterClrMapping/>
+  </p:clrMapOvr>
+</p:notes>
+</file>
+
 <file path=ppt/slideLayouts/slideLayout1.xml><?xml version="1.0" encoding="utf-8"?>
 <p:sldLayout xmlns:a="http://schemas.openxmlformats.org/drawingml/2006/main" xmlns:r="http://schemas.openxmlformats.org/officeDocument/2006/relationships" xmlns:p="http://schemas.openxmlformats.org/presentationml/2006/main" type="title" preserve="1">
   <p:cSld name="Diapositive de titre">
@@ -934,7 +1268,7 @@
           <a:p>
             <a:fld id="{FDE20446-864A-41A4-960C-6BABA3C30A68}" type="datetimeFigureOut">
               <a:rPr lang="fr-FR" smtClean="0"/>
-              <a:t>03/06/2024</a:t>
+              <a:t>09/06/2024</a:t>
             </a:fld>
             <a:endParaRPr lang="fr-FR"/>
           </a:p>
@@ -1132,7 +1466,7 @@
           <a:p>
             <a:fld id="{FDE20446-864A-41A4-960C-6BABA3C30A68}" type="datetimeFigureOut">
               <a:rPr lang="fr-FR" smtClean="0"/>
-              <a:t>03/06/2024</a:t>
+              <a:t>09/06/2024</a:t>
             </a:fld>
             <a:endParaRPr lang="fr-FR"/>
           </a:p>
@@ -1340,7 +1674,7 @@
           <a:p>
             <a:fld id="{FDE20446-864A-41A4-960C-6BABA3C30A68}" type="datetimeFigureOut">
               <a:rPr lang="fr-FR" smtClean="0"/>
-              <a:t>03/06/2024</a:t>
+              <a:t>09/06/2024</a:t>
             </a:fld>
             <a:endParaRPr lang="fr-FR"/>
           </a:p>
@@ -1538,7 +1872,7 @@
           <a:p>
             <a:fld id="{FDE20446-864A-41A4-960C-6BABA3C30A68}" type="datetimeFigureOut">
               <a:rPr lang="fr-FR" smtClean="0"/>
-              <a:t>03/06/2024</a:t>
+              <a:t>09/06/2024</a:t>
             </a:fld>
             <a:endParaRPr lang="fr-FR"/>
           </a:p>
@@ -1813,7 +2147,7 @@
           <a:p>
             <a:fld id="{FDE20446-864A-41A4-960C-6BABA3C30A68}" type="datetimeFigureOut">
               <a:rPr lang="fr-FR" smtClean="0"/>
-              <a:t>03/06/2024</a:t>
+              <a:t>09/06/2024</a:t>
             </a:fld>
             <a:endParaRPr lang="fr-FR"/>
           </a:p>
@@ -2078,7 +2412,7 @@
           <a:p>
             <a:fld id="{FDE20446-864A-41A4-960C-6BABA3C30A68}" type="datetimeFigureOut">
               <a:rPr lang="fr-FR" smtClean="0"/>
-              <a:t>03/06/2024</a:t>
+              <a:t>09/06/2024</a:t>
             </a:fld>
             <a:endParaRPr lang="fr-FR"/>
           </a:p>
@@ -2490,7 +2824,7 @@
           <a:p>
             <a:fld id="{FDE20446-864A-41A4-960C-6BABA3C30A68}" type="datetimeFigureOut">
               <a:rPr lang="fr-FR" smtClean="0"/>
-              <a:t>03/06/2024</a:t>
+              <a:t>09/06/2024</a:t>
             </a:fld>
             <a:endParaRPr lang="fr-FR"/>
           </a:p>
@@ -2631,7 +2965,7 @@
           <a:p>
             <a:fld id="{FDE20446-864A-41A4-960C-6BABA3C30A68}" type="datetimeFigureOut">
               <a:rPr lang="fr-FR" smtClean="0"/>
-              <a:t>03/06/2024</a:t>
+              <a:t>09/06/2024</a:t>
             </a:fld>
             <a:endParaRPr lang="fr-FR"/>
           </a:p>
@@ -2744,7 +3078,7 @@
           <a:p>
             <a:fld id="{FDE20446-864A-41A4-960C-6BABA3C30A68}" type="datetimeFigureOut">
               <a:rPr lang="fr-FR" smtClean="0"/>
-              <a:t>03/06/2024</a:t>
+              <a:t>09/06/2024</a:t>
             </a:fld>
             <a:endParaRPr lang="fr-FR"/>
           </a:p>
@@ -3055,7 +3389,7 @@
           <a:p>
             <a:fld id="{FDE20446-864A-41A4-960C-6BABA3C30A68}" type="datetimeFigureOut">
               <a:rPr lang="fr-FR" smtClean="0"/>
-              <a:t>03/06/2024</a:t>
+              <a:t>09/06/2024</a:t>
             </a:fld>
             <a:endParaRPr lang="fr-FR"/>
           </a:p>
@@ -3343,7 +3677,7 @@
           <a:p>
             <a:fld id="{FDE20446-864A-41A4-960C-6BABA3C30A68}" type="datetimeFigureOut">
               <a:rPr lang="fr-FR" smtClean="0"/>
-              <a:t>03/06/2024</a:t>
+              <a:t>09/06/2024</a:t>
             </a:fld>
             <a:endParaRPr lang="fr-FR"/>
           </a:p>
@@ -3584,7 +3918,7 @@
           <a:p>
             <a:fld id="{FDE20446-864A-41A4-960C-6BABA3C30A68}" type="datetimeFigureOut">
               <a:rPr lang="fr-FR" smtClean="0"/>
-              <a:t>03/06/2024</a:t>
+              <a:t>09/06/2024</a:t>
             </a:fld>
             <a:endParaRPr lang="fr-FR"/>
           </a:p>
@@ -4725,12 +5059,8 @@
           <a:p>
             <a:pPr algn="ctr"/>
             <a:r>
-              <a:rPr lang="fr-CA" dirty="0" err="1"/>
-              <a:t>Sytème</a:t>
-            </a:r>
-            <a:r>
               <a:rPr lang="fr-CA" dirty="0"/>
-              <a:t> 2</a:t>
+              <a:t>Système 2</a:t>
             </a:r>
           </a:p>
         </p:txBody>
@@ -7799,7 +8129,7 @@
             <a:pPr algn="ctr"/>
             <a:r>
               <a:rPr lang="fr-CA" dirty="0"/>
-              <a:t>API JSON</a:t>
+              <a:t>API XML</a:t>
             </a:r>
           </a:p>
         </p:txBody>
@@ -7808,6 +8138,4849 @@
     <p:extLst>
       <p:ext uri="{BB962C8B-B14F-4D97-AF65-F5344CB8AC3E}">
         <p14:creationId xmlns:p14="http://schemas.microsoft.com/office/powerpoint/2010/main" val="2123544440"/>
+      </p:ext>
+    </p:extLst>
+  </p:cSld>
+  <p:clrMapOvr>
+    <a:masterClrMapping/>
+  </p:clrMapOvr>
+  <p:timing>
+    <p:tnLst>
+      <p:par>
+        <p:cTn id="1" dur="indefinite" restart="never" nodeType="tmRoot">
+          <p:childTnLst>
+            <p:seq concurrent="1" nextAc="seek">
+              <p:cTn id="2" dur="indefinite" nodeType="mainSeq">
+                <p:childTnLst>
+                  <p:par>
+                    <p:cTn id="3" fill="hold">
+                      <p:stCondLst>
+                        <p:cond delay="indefinite"/>
+                      </p:stCondLst>
+                      <p:childTnLst>
+                        <p:par>
+                          <p:cTn id="4" fill="hold">
+                            <p:stCondLst>
+                              <p:cond delay="0"/>
+                            </p:stCondLst>
+                            <p:childTnLst>
+                              <p:par>
+                                <p:cTn id="5" presetID="1" presetClass="entr" presetSubtype="0" fill="hold" grpId="0" nodeType="clickEffect">
+                                  <p:stCondLst>
+                                    <p:cond delay="0"/>
+                                  </p:stCondLst>
+                                  <p:childTnLst>
+                                    <p:set>
+                                      <p:cBhvr>
+                                        <p:cTn id="6" dur="1" fill="hold">
+                                          <p:stCondLst>
+                                            <p:cond delay="0"/>
+                                          </p:stCondLst>
+                                        </p:cTn>
+                                        <p:tgtEl>
+                                          <p:spTgt spid="9"/>
+                                        </p:tgtEl>
+                                        <p:attrNameLst>
+                                          <p:attrName>style.visibility</p:attrName>
+                                        </p:attrNameLst>
+                                      </p:cBhvr>
+                                      <p:to>
+                                        <p:strVal val="visible"/>
+                                      </p:to>
+                                    </p:set>
+                                  </p:childTnLst>
+                                </p:cTn>
+                              </p:par>
+                            </p:childTnLst>
+                          </p:cTn>
+                        </p:par>
+                      </p:childTnLst>
+                    </p:cTn>
+                  </p:par>
+                  <p:par>
+                    <p:cTn id="7" fill="hold">
+                      <p:stCondLst>
+                        <p:cond delay="indefinite"/>
+                      </p:stCondLst>
+                      <p:childTnLst>
+                        <p:par>
+                          <p:cTn id="8" fill="hold">
+                            <p:stCondLst>
+                              <p:cond delay="0"/>
+                            </p:stCondLst>
+                            <p:childTnLst>
+                              <p:par>
+                                <p:cTn id="9" presetID="1" presetClass="entr" presetSubtype="0" fill="hold" grpId="0" nodeType="clickEffect">
+                                  <p:stCondLst>
+                                    <p:cond delay="0"/>
+                                  </p:stCondLst>
+                                  <p:childTnLst>
+                                    <p:set>
+                                      <p:cBhvr>
+                                        <p:cTn id="10" dur="1" fill="hold">
+                                          <p:stCondLst>
+                                            <p:cond delay="0"/>
+                                          </p:stCondLst>
+                                        </p:cTn>
+                                        <p:tgtEl>
+                                          <p:spTgt spid="5"/>
+                                        </p:tgtEl>
+                                        <p:attrNameLst>
+                                          <p:attrName>style.visibility</p:attrName>
+                                        </p:attrNameLst>
+                                      </p:cBhvr>
+                                      <p:to>
+                                        <p:strVal val="visible"/>
+                                      </p:to>
+                                    </p:set>
+                                  </p:childTnLst>
+                                </p:cTn>
+                              </p:par>
+                            </p:childTnLst>
+                          </p:cTn>
+                        </p:par>
+                      </p:childTnLst>
+                    </p:cTn>
+                  </p:par>
+                  <p:par>
+                    <p:cTn id="11" fill="hold">
+                      <p:stCondLst>
+                        <p:cond delay="indefinite"/>
+                      </p:stCondLst>
+                      <p:childTnLst>
+                        <p:par>
+                          <p:cTn id="12" fill="hold">
+                            <p:stCondLst>
+                              <p:cond delay="0"/>
+                            </p:stCondLst>
+                            <p:childTnLst>
+                              <p:par>
+                                <p:cTn id="13" presetID="1" presetClass="entr" presetSubtype="0" fill="hold" grpId="0" nodeType="clickEffect">
+                                  <p:stCondLst>
+                                    <p:cond delay="0"/>
+                                  </p:stCondLst>
+                                  <p:childTnLst>
+                                    <p:set>
+                                      <p:cBhvr>
+                                        <p:cTn id="14" dur="1" fill="hold">
+                                          <p:stCondLst>
+                                            <p:cond delay="0"/>
+                                          </p:stCondLst>
+                                        </p:cTn>
+                                        <p:tgtEl>
+                                          <p:spTgt spid="3"/>
+                                        </p:tgtEl>
+                                        <p:attrNameLst>
+                                          <p:attrName>style.visibility</p:attrName>
+                                        </p:attrNameLst>
+                                      </p:cBhvr>
+                                      <p:to>
+                                        <p:strVal val="visible"/>
+                                      </p:to>
+                                    </p:set>
+                                  </p:childTnLst>
+                                </p:cTn>
+                              </p:par>
+                            </p:childTnLst>
+                          </p:cTn>
+                        </p:par>
+                      </p:childTnLst>
+                    </p:cTn>
+                  </p:par>
+                  <p:par>
+                    <p:cTn id="15" fill="hold">
+                      <p:stCondLst>
+                        <p:cond delay="indefinite"/>
+                      </p:stCondLst>
+                      <p:childTnLst>
+                        <p:par>
+                          <p:cTn id="16" fill="hold">
+                            <p:stCondLst>
+                              <p:cond delay="0"/>
+                            </p:stCondLst>
+                            <p:childTnLst>
+                              <p:par>
+                                <p:cTn id="17" presetID="1" presetClass="entr" presetSubtype="0" fill="hold" grpId="0" nodeType="clickEffect">
+                                  <p:stCondLst>
+                                    <p:cond delay="0"/>
+                                  </p:stCondLst>
+                                  <p:childTnLst>
+                                    <p:set>
+                                      <p:cBhvr>
+                                        <p:cTn id="18" dur="1" fill="hold">
+                                          <p:stCondLst>
+                                            <p:cond delay="0"/>
+                                          </p:stCondLst>
+                                        </p:cTn>
+                                        <p:tgtEl>
+                                          <p:spTgt spid="4"/>
+                                        </p:tgtEl>
+                                        <p:attrNameLst>
+                                          <p:attrName>style.visibility</p:attrName>
+                                        </p:attrNameLst>
+                                      </p:cBhvr>
+                                      <p:to>
+                                        <p:strVal val="visible"/>
+                                      </p:to>
+                                    </p:set>
+                                  </p:childTnLst>
+                                </p:cTn>
+                              </p:par>
+                            </p:childTnLst>
+                          </p:cTn>
+                        </p:par>
+                      </p:childTnLst>
+                    </p:cTn>
+                  </p:par>
+                  <p:par>
+                    <p:cTn id="19" fill="hold">
+                      <p:stCondLst>
+                        <p:cond delay="indefinite"/>
+                      </p:stCondLst>
+                      <p:childTnLst>
+                        <p:par>
+                          <p:cTn id="20" fill="hold">
+                            <p:stCondLst>
+                              <p:cond delay="0"/>
+                            </p:stCondLst>
+                            <p:childTnLst>
+                              <p:par>
+                                <p:cTn id="21" presetID="1" presetClass="entr" presetSubtype="0" fill="hold" nodeType="clickEffect">
+                                  <p:stCondLst>
+                                    <p:cond delay="0"/>
+                                  </p:stCondLst>
+                                  <p:childTnLst>
+                                    <p:set>
+                                      <p:cBhvr>
+                                        <p:cTn id="22" dur="1" fill="hold">
+                                          <p:stCondLst>
+                                            <p:cond delay="0"/>
+                                          </p:stCondLst>
+                                        </p:cTn>
+                                        <p:tgtEl>
+                                          <p:spTgt spid="8"/>
+                                        </p:tgtEl>
+                                        <p:attrNameLst>
+                                          <p:attrName>style.visibility</p:attrName>
+                                        </p:attrNameLst>
+                                      </p:cBhvr>
+                                      <p:to>
+                                        <p:strVal val="visible"/>
+                                      </p:to>
+                                    </p:set>
+                                  </p:childTnLst>
+                                </p:cTn>
+                              </p:par>
+                              <p:par>
+                                <p:cTn id="23" presetID="1" presetClass="entr" presetSubtype="0" fill="hold" grpId="0" nodeType="withEffect">
+                                  <p:stCondLst>
+                                    <p:cond delay="0"/>
+                                  </p:stCondLst>
+                                  <p:childTnLst>
+                                    <p:set>
+                                      <p:cBhvr>
+                                        <p:cTn id="24" dur="1" fill="hold">
+                                          <p:stCondLst>
+                                            <p:cond delay="0"/>
+                                          </p:stCondLst>
+                                        </p:cTn>
+                                        <p:tgtEl>
+                                          <p:spTgt spid="23"/>
+                                        </p:tgtEl>
+                                        <p:attrNameLst>
+                                          <p:attrName>style.visibility</p:attrName>
+                                        </p:attrNameLst>
+                                      </p:cBhvr>
+                                      <p:to>
+                                        <p:strVal val="visible"/>
+                                      </p:to>
+                                    </p:set>
+                                  </p:childTnLst>
+                                </p:cTn>
+                              </p:par>
+                              <p:par>
+                                <p:cTn id="25" presetID="1" presetClass="entr" presetSubtype="0" fill="hold" grpId="0" nodeType="withEffect">
+                                  <p:stCondLst>
+                                    <p:cond delay="0"/>
+                                  </p:stCondLst>
+                                  <p:childTnLst>
+                                    <p:set>
+                                      <p:cBhvr>
+                                        <p:cTn id="26" dur="1" fill="hold">
+                                          <p:stCondLst>
+                                            <p:cond delay="0"/>
+                                          </p:stCondLst>
+                                        </p:cTn>
+                                        <p:tgtEl>
+                                          <p:spTgt spid="28"/>
+                                        </p:tgtEl>
+                                        <p:attrNameLst>
+                                          <p:attrName>style.visibility</p:attrName>
+                                        </p:attrNameLst>
+                                      </p:cBhvr>
+                                      <p:to>
+                                        <p:strVal val="visible"/>
+                                      </p:to>
+                                    </p:set>
+                                  </p:childTnLst>
+                                </p:cTn>
+                              </p:par>
+                            </p:childTnLst>
+                          </p:cTn>
+                        </p:par>
+                      </p:childTnLst>
+                    </p:cTn>
+                  </p:par>
+                  <p:par>
+                    <p:cTn id="27" fill="hold">
+                      <p:stCondLst>
+                        <p:cond delay="indefinite"/>
+                      </p:stCondLst>
+                      <p:childTnLst>
+                        <p:par>
+                          <p:cTn id="28" fill="hold">
+                            <p:stCondLst>
+                              <p:cond delay="0"/>
+                            </p:stCondLst>
+                            <p:childTnLst>
+                              <p:par>
+                                <p:cTn id="29" presetID="1" presetClass="entr" presetSubtype="0" fill="hold" nodeType="clickEffect">
+                                  <p:stCondLst>
+                                    <p:cond delay="0"/>
+                                  </p:stCondLst>
+                                  <p:childTnLst>
+                                    <p:set>
+                                      <p:cBhvr>
+                                        <p:cTn id="30" dur="1" fill="hold">
+                                          <p:stCondLst>
+                                            <p:cond delay="0"/>
+                                          </p:stCondLst>
+                                        </p:cTn>
+                                        <p:tgtEl>
+                                          <p:spTgt spid="7"/>
+                                        </p:tgtEl>
+                                        <p:attrNameLst>
+                                          <p:attrName>style.visibility</p:attrName>
+                                        </p:attrNameLst>
+                                      </p:cBhvr>
+                                      <p:to>
+                                        <p:strVal val="visible"/>
+                                      </p:to>
+                                    </p:set>
+                                  </p:childTnLst>
+                                </p:cTn>
+                              </p:par>
+                            </p:childTnLst>
+                          </p:cTn>
+                        </p:par>
+                      </p:childTnLst>
+                    </p:cTn>
+                  </p:par>
+                  <p:par>
+                    <p:cTn id="31" fill="hold">
+                      <p:stCondLst>
+                        <p:cond delay="indefinite"/>
+                      </p:stCondLst>
+                      <p:childTnLst>
+                        <p:par>
+                          <p:cTn id="32" fill="hold">
+                            <p:stCondLst>
+                              <p:cond delay="0"/>
+                            </p:stCondLst>
+                            <p:childTnLst>
+                              <p:par>
+                                <p:cTn id="33" presetID="1" presetClass="entr" presetSubtype="0" fill="hold" nodeType="clickEffect">
+                                  <p:stCondLst>
+                                    <p:cond delay="0"/>
+                                  </p:stCondLst>
+                                  <p:childTnLst>
+                                    <p:set>
+                                      <p:cBhvr>
+                                        <p:cTn id="34" dur="1" fill="hold">
+                                          <p:stCondLst>
+                                            <p:cond delay="0"/>
+                                          </p:stCondLst>
+                                        </p:cTn>
+                                        <p:tgtEl>
+                                          <p:spTgt spid="43"/>
+                                        </p:tgtEl>
+                                        <p:attrNameLst>
+                                          <p:attrName>style.visibility</p:attrName>
+                                        </p:attrNameLst>
+                                      </p:cBhvr>
+                                      <p:to>
+                                        <p:strVal val="visible"/>
+                                      </p:to>
+                                    </p:set>
+                                  </p:childTnLst>
+                                </p:cTn>
+                              </p:par>
+                              <p:par>
+                                <p:cTn id="35" presetID="1" presetClass="entr" presetSubtype="0" fill="hold" grpId="0" nodeType="withEffect">
+                                  <p:stCondLst>
+                                    <p:cond delay="0"/>
+                                  </p:stCondLst>
+                                  <p:childTnLst>
+                                    <p:set>
+                                      <p:cBhvr>
+                                        <p:cTn id="36" dur="1" fill="hold">
+                                          <p:stCondLst>
+                                            <p:cond delay="0"/>
+                                          </p:stCondLst>
+                                        </p:cTn>
+                                        <p:tgtEl>
+                                          <p:spTgt spid="19"/>
+                                        </p:tgtEl>
+                                        <p:attrNameLst>
+                                          <p:attrName>style.visibility</p:attrName>
+                                        </p:attrNameLst>
+                                      </p:cBhvr>
+                                      <p:to>
+                                        <p:strVal val="visible"/>
+                                      </p:to>
+                                    </p:set>
+                                  </p:childTnLst>
+                                </p:cTn>
+                              </p:par>
+                              <p:par>
+                                <p:cTn id="37" presetID="1" presetClass="entr" presetSubtype="0" fill="hold" grpId="0" nodeType="withEffect">
+                                  <p:stCondLst>
+                                    <p:cond delay="0"/>
+                                  </p:stCondLst>
+                                  <p:childTnLst>
+                                    <p:set>
+                                      <p:cBhvr>
+                                        <p:cTn id="38" dur="1" fill="hold">
+                                          <p:stCondLst>
+                                            <p:cond delay="0"/>
+                                          </p:stCondLst>
+                                        </p:cTn>
+                                        <p:tgtEl>
+                                          <p:spTgt spid="24"/>
+                                        </p:tgtEl>
+                                        <p:attrNameLst>
+                                          <p:attrName>style.visibility</p:attrName>
+                                        </p:attrNameLst>
+                                      </p:cBhvr>
+                                      <p:to>
+                                        <p:strVal val="visible"/>
+                                      </p:to>
+                                    </p:set>
+                                  </p:childTnLst>
+                                </p:cTn>
+                              </p:par>
+                            </p:childTnLst>
+                          </p:cTn>
+                        </p:par>
+                      </p:childTnLst>
+                    </p:cTn>
+                  </p:par>
+                  <p:par>
+                    <p:cTn id="39" fill="hold">
+                      <p:stCondLst>
+                        <p:cond delay="indefinite"/>
+                      </p:stCondLst>
+                      <p:childTnLst>
+                        <p:par>
+                          <p:cTn id="40" fill="hold">
+                            <p:stCondLst>
+                              <p:cond delay="0"/>
+                            </p:stCondLst>
+                            <p:childTnLst>
+                              <p:par>
+                                <p:cTn id="41" presetID="1" presetClass="entr" presetSubtype="0" fill="hold" nodeType="clickEffect">
+                                  <p:stCondLst>
+                                    <p:cond delay="0"/>
+                                  </p:stCondLst>
+                                  <p:childTnLst>
+                                    <p:set>
+                                      <p:cBhvr>
+                                        <p:cTn id="42" dur="1" fill="hold">
+                                          <p:stCondLst>
+                                            <p:cond delay="0"/>
+                                          </p:stCondLst>
+                                        </p:cTn>
+                                        <p:tgtEl>
+                                          <p:spTgt spid="44"/>
+                                        </p:tgtEl>
+                                        <p:attrNameLst>
+                                          <p:attrName>style.visibility</p:attrName>
+                                        </p:attrNameLst>
+                                      </p:cBhvr>
+                                      <p:to>
+                                        <p:strVal val="visible"/>
+                                      </p:to>
+                                    </p:set>
+                                  </p:childTnLst>
+                                </p:cTn>
+                              </p:par>
+                              <p:par>
+                                <p:cTn id="43" presetID="1" presetClass="entr" presetSubtype="0" fill="hold" grpId="0" nodeType="withEffect">
+                                  <p:stCondLst>
+                                    <p:cond delay="0"/>
+                                  </p:stCondLst>
+                                  <p:childTnLst>
+                                    <p:set>
+                                      <p:cBhvr>
+                                        <p:cTn id="44" dur="1" fill="hold">
+                                          <p:stCondLst>
+                                            <p:cond delay="0"/>
+                                          </p:stCondLst>
+                                        </p:cTn>
+                                        <p:tgtEl>
+                                          <p:spTgt spid="20"/>
+                                        </p:tgtEl>
+                                        <p:attrNameLst>
+                                          <p:attrName>style.visibility</p:attrName>
+                                        </p:attrNameLst>
+                                      </p:cBhvr>
+                                      <p:to>
+                                        <p:strVal val="visible"/>
+                                      </p:to>
+                                    </p:set>
+                                  </p:childTnLst>
+                                </p:cTn>
+                              </p:par>
+                              <p:par>
+                                <p:cTn id="45" presetID="1" presetClass="entr" presetSubtype="0" fill="hold" grpId="0" nodeType="withEffect">
+                                  <p:stCondLst>
+                                    <p:cond delay="0"/>
+                                  </p:stCondLst>
+                                  <p:childTnLst>
+                                    <p:set>
+                                      <p:cBhvr>
+                                        <p:cTn id="46" dur="1" fill="hold">
+                                          <p:stCondLst>
+                                            <p:cond delay="0"/>
+                                          </p:stCondLst>
+                                        </p:cTn>
+                                        <p:tgtEl>
+                                          <p:spTgt spid="25"/>
+                                        </p:tgtEl>
+                                        <p:attrNameLst>
+                                          <p:attrName>style.visibility</p:attrName>
+                                        </p:attrNameLst>
+                                      </p:cBhvr>
+                                      <p:to>
+                                        <p:strVal val="visible"/>
+                                      </p:to>
+                                    </p:set>
+                                  </p:childTnLst>
+                                </p:cTn>
+                              </p:par>
+                            </p:childTnLst>
+                          </p:cTn>
+                        </p:par>
+                      </p:childTnLst>
+                    </p:cTn>
+                  </p:par>
+                  <p:par>
+                    <p:cTn id="47" fill="hold">
+                      <p:stCondLst>
+                        <p:cond delay="indefinite"/>
+                      </p:stCondLst>
+                      <p:childTnLst>
+                        <p:par>
+                          <p:cTn id="48" fill="hold">
+                            <p:stCondLst>
+                              <p:cond delay="0"/>
+                            </p:stCondLst>
+                            <p:childTnLst>
+                              <p:par>
+                                <p:cTn id="49" presetID="1" presetClass="entr" presetSubtype="0" fill="hold" nodeType="clickEffect">
+                                  <p:stCondLst>
+                                    <p:cond delay="0"/>
+                                  </p:stCondLst>
+                                  <p:childTnLst>
+                                    <p:set>
+                                      <p:cBhvr>
+                                        <p:cTn id="50" dur="1" fill="hold">
+                                          <p:stCondLst>
+                                            <p:cond delay="0"/>
+                                          </p:stCondLst>
+                                        </p:cTn>
+                                        <p:tgtEl>
+                                          <p:spTgt spid="56"/>
+                                        </p:tgtEl>
+                                        <p:attrNameLst>
+                                          <p:attrName>style.visibility</p:attrName>
+                                        </p:attrNameLst>
+                                      </p:cBhvr>
+                                      <p:to>
+                                        <p:strVal val="visible"/>
+                                      </p:to>
+                                    </p:set>
+                                  </p:childTnLst>
+                                </p:cTn>
+                              </p:par>
+                              <p:par>
+                                <p:cTn id="51" presetID="1" presetClass="entr" presetSubtype="0" fill="hold" grpId="0" nodeType="withEffect">
+                                  <p:stCondLst>
+                                    <p:cond delay="0"/>
+                                  </p:stCondLst>
+                                  <p:childTnLst>
+                                    <p:set>
+                                      <p:cBhvr>
+                                        <p:cTn id="52" dur="1" fill="hold">
+                                          <p:stCondLst>
+                                            <p:cond delay="0"/>
+                                          </p:stCondLst>
+                                        </p:cTn>
+                                        <p:tgtEl>
+                                          <p:spTgt spid="21"/>
+                                        </p:tgtEl>
+                                        <p:attrNameLst>
+                                          <p:attrName>style.visibility</p:attrName>
+                                        </p:attrNameLst>
+                                      </p:cBhvr>
+                                      <p:to>
+                                        <p:strVal val="visible"/>
+                                      </p:to>
+                                    </p:set>
+                                  </p:childTnLst>
+                                </p:cTn>
+                              </p:par>
+                              <p:par>
+                                <p:cTn id="53" presetID="1" presetClass="entr" presetSubtype="0" fill="hold" grpId="0" nodeType="withEffect">
+                                  <p:stCondLst>
+                                    <p:cond delay="0"/>
+                                  </p:stCondLst>
+                                  <p:childTnLst>
+                                    <p:set>
+                                      <p:cBhvr>
+                                        <p:cTn id="54" dur="1" fill="hold">
+                                          <p:stCondLst>
+                                            <p:cond delay="0"/>
+                                          </p:stCondLst>
+                                        </p:cTn>
+                                        <p:tgtEl>
+                                          <p:spTgt spid="26"/>
+                                        </p:tgtEl>
+                                        <p:attrNameLst>
+                                          <p:attrName>style.visibility</p:attrName>
+                                        </p:attrNameLst>
+                                      </p:cBhvr>
+                                      <p:to>
+                                        <p:strVal val="visible"/>
+                                      </p:to>
+                                    </p:set>
+                                  </p:childTnLst>
+                                </p:cTn>
+                              </p:par>
+                            </p:childTnLst>
+                          </p:cTn>
+                        </p:par>
+                      </p:childTnLst>
+                    </p:cTn>
+                  </p:par>
+                  <p:par>
+                    <p:cTn id="55" fill="hold">
+                      <p:stCondLst>
+                        <p:cond delay="indefinite"/>
+                      </p:stCondLst>
+                      <p:childTnLst>
+                        <p:par>
+                          <p:cTn id="56" fill="hold">
+                            <p:stCondLst>
+                              <p:cond delay="0"/>
+                            </p:stCondLst>
+                            <p:childTnLst>
+                              <p:par>
+                                <p:cTn id="57" presetID="1" presetClass="entr" presetSubtype="0" fill="hold" nodeType="clickEffect">
+                                  <p:stCondLst>
+                                    <p:cond delay="0"/>
+                                  </p:stCondLst>
+                                  <p:childTnLst>
+                                    <p:set>
+                                      <p:cBhvr>
+                                        <p:cTn id="58" dur="1" fill="hold">
+                                          <p:stCondLst>
+                                            <p:cond delay="0"/>
+                                          </p:stCondLst>
+                                        </p:cTn>
+                                        <p:tgtEl>
+                                          <p:spTgt spid="62"/>
+                                        </p:tgtEl>
+                                        <p:attrNameLst>
+                                          <p:attrName>style.visibility</p:attrName>
+                                        </p:attrNameLst>
+                                      </p:cBhvr>
+                                      <p:to>
+                                        <p:strVal val="visible"/>
+                                      </p:to>
+                                    </p:set>
+                                  </p:childTnLst>
+                                </p:cTn>
+                              </p:par>
+                              <p:par>
+                                <p:cTn id="59" presetID="1" presetClass="entr" presetSubtype="0" fill="hold" grpId="0" nodeType="withEffect">
+                                  <p:stCondLst>
+                                    <p:cond delay="0"/>
+                                  </p:stCondLst>
+                                  <p:childTnLst>
+                                    <p:set>
+                                      <p:cBhvr>
+                                        <p:cTn id="60" dur="1" fill="hold">
+                                          <p:stCondLst>
+                                            <p:cond delay="0"/>
+                                          </p:stCondLst>
+                                        </p:cTn>
+                                        <p:tgtEl>
+                                          <p:spTgt spid="22"/>
+                                        </p:tgtEl>
+                                        <p:attrNameLst>
+                                          <p:attrName>style.visibility</p:attrName>
+                                        </p:attrNameLst>
+                                      </p:cBhvr>
+                                      <p:to>
+                                        <p:strVal val="visible"/>
+                                      </p:to>
+                                    </p:set>
+                                  </p:childTnLst>
+                                </p:cTn>
+                              </p:par>
+                              <p:par>
+                                <p:cTn id="61" presetID="1" presetClass="entr" presetSubtype="0" fill="hold" grpId="0" nodeType="withEffect">
+                                  <p:stCondLst>
+                                    <p:cond delay="0"/>
+                                  </p:stCondLst>
+                                  <p:childTnLst>
+                                    <p:set>
+                                      <p:cBhvr>
+                                        <p:cTn id="62" dur="1" fill="hold">
+                                          <p:stCondLst>
+                                            <p:cond delay="0"/>
+                                          </p:stCondLst>
+                                        </p:cTn>
+                                        <p:tgtEl>
+                                          <p:spTgt spid="27"/>
+                                        </p:tgtEl>
+                                        <p:attrNameLst>
+                                          <p:attrName>style.visibility</p:attrName>
+                                        </p:attrNameLst>
+                                      </p:cBhvr>
+                                      <p:to>
+                                        <p:strVal val="visible"/>
+                                      </p:to>
+                                    </p:set>
+                                  </p:childTnLst>
+                                </p:cTn>
+                              </p:par>
+                            </p:childTnLst>
+                          </p:cTn>
+                        </p:par>
+                      </p:childTnLst>
+                    </p:cTn>
+                  </p:par>
+                  <p:par>
+                    <p:cTn id="63" fill="hold">
+                      <p:stCondLst>
+                        <p:cond delay="indefinite"/>
+                      </p:stCondLst>
+                      <p:childTnLst>
+                        <p:par>
+                          <p:cTn id="64" fill="hold">
+                            <p:stCondLst>
+                              <p:cond delay="0"/>
+                            </p:stCondLst>
+                            <p:childTnLst>
+                              <p:par>
+                                <p:cTn id="65" presetID="1" presetClass="entr" presetSubtype="0" fill="hold" nodeType="clickEffect">
+                                  <p:stCondLst>
+                                    <p:cond delay="0"/>
+                                  </p:stCondLst>
+                                  <p:childTnLst>
+                                    <p:set>
+                                      <p:cBhvr>
+                                        <p:cTn id="66" dur="1" fill="hold">
+                                          <p:stCondLst>
+                                            <p:cond delay="0"/>
+                                          </p:stCondLst>
+                                        </p:cTn>
+                                        <p:tgtEl>
+                                          <p:spTgt spid="70"/>
+                                        </p:tgtEl>
+                                        <p:attrNameLst>
+                                          <p:attrName>style.visibility</p:attrName>
+                                        </p:attrNameLst>
+                                      </p:cBhvr>
+                                      <p:to>
+                                        <p:strVal val="visible"/>
+                                      </p:to>
+                                    </p:set>
+                                  </p:childTnLst>
+                                </p:cTn>
+                              </p:par>
+                              <p:par>
+                                <p:cTn id="67" presetID="1" presetClass="entr" presetSubtype="0" fill="hold" grpId="0" nodeType="withEffect">
+                                  <p:stCondLst>
+                                    <p:cond delay="0"/>
+                                  </p:stCondLst>
+                                  <p:childTnLst>
+                                    <p:set>
+                                      <p:cBhvr>
+                                        <p:cTn id="68" dur="1" fill="hold">
+                                          <p:stCondLst>
+                                            <p:cond delay="0"/>
+                                          </p:stCondLst>
+                                        </p:cTn>
+                                        <p:tgtEl>
+                                          <p:spTgt spid="69"/>
+                                        </p:tgtEl>
+                                        <p:attrNameLst>
+                                          <p:attrName>style.visibility</p:attrName>
+                                        </p:attrNameLst>
+                                      </p:cBhvr>
+                                      <p:to>
+                                        <p:strVal val="visible"/>
+                                      </p:to>
+                                    </p:set>
+                                  </p:childTnLst>
+                                </p:cTn>
+                              </p:par>
+                            </p:childTnLst>
+                          </p:cTn>
+                        </p:par>
+                      </p:childTnLst>
+                    </p:cTn>
+                  </p:par>
+                  <p:par>
+                    <p:cTn id="69" fill="hold">
+                      <p:stCondLst>
+                        <p:cond delay="indefinite"/>
+                      </p:stCondLst>
+                      <p:childTnLst>
+                        <p:par>
+                          <p:cTn id="70" fill="hold">
+                            <p:stCondLst>
+                              <p:cond delay="0"/>
+                            </p:stCondLst>
+                            <p:childTnLst>
+                              <p:par>
+                                <p:cTn id="71" presetID="1" presetClass="entr" presetSubtype="0" fill="hold" nodeType="clickEffect">
+                                  <p:stCondLst>
+                                    <p:cond delay="0"/>
+                                  </p:stCondLst>
+                                  <p:childTnLst>
+                                    <p:set>
+                                      <p:cBhvr>
+                                        <p:cTn id="72" dur="1" fill="hold">
+                                          <p:stCondLst>
+                                            <p:cond delay="0"/>
+                                          </p:stCondLst>
+                                        </p:cTn>
+                                        <p:tgtEl>
+                                          <p:spTgt spid="78"/>
+                                        </p:tgtEl>
+                                        <p:attrNameLst>
+                                          <p:attrName>style.visibility</p:attrName>
+                                        </p:attrNameLst>
+                                      </p:cBhvr>
+                                      <p:to>
+                                        <p:strVal val="visible"/>
+                                      </p:to>
+                                    </p:set>
+                                  </p:childTnLst>
+                                </p:cTn>
+                              </p:par>
+                            </p:childTnLst>
+                          </p:cTn>
+                        </p:par>
+                      </p:childTnLst>
+                    </p:cTn>
+                  </p:par>
+                  <p:par>
+                    <p:cTn id="73" fill="hold">
+                      <p:stCondLst>
+                        <p:cond delay="indefinite"/>
+                      </p:stCondLst>
+                      <p:childTnLst>
+                        <p:par>
+                          <p:cTn id="74" fill="hold">
+                            <p:stCondLst>
+                              <p:cond delay="0"/>
+                            </p:stCondLst>
+                            <p:childTnLst>
+                              <p:par>
+                                <p:cTn id="75" presetID="1" presetClass="entr" presetSubtype="0" fill="hold" nodeType="clickEffect">
+                                  <p:stCondLst>
+                                    <p:cond delay="0"/>
+                                  </p:stCondLst>
+                                  <p:childTnLst>
+                                    <p:set>
+                                      <p:cBhvr>
+                                        <p:cTn id="76" dur="1" fill="hold">
+                                          <p:stCondLst>
+                                            <p:cond delay="0"/>
+                                          </p:stCondLst>
+                                        </p:cTn>
+                                        <p:tgtEl>
+                                          <p:spTgt spid="84"/>
+                                        </p:tgtEl>
+                                        <p:attrNameLst>
+                                          <p:attrName>style.visibility</p:attrName>
+                                        </p:attrNameLst>
+                                      </p:cBhvr>
+                                      <p:to>
+                                        <p:strVal val="visible"/>
+                                      </p:to>
+                                    </p:set>
+                                  </p:childTnLst>
+                                </p:cTn>
+                              </p:par>
+                            </p:childTnLst>
+                          </p:cTn>
+                        </p:par>
+                      </p:childTnLst>
+                    </p:cTn>
+                  </p:par>
+                  <p:par>
+                    <p:cTn id="77" fill="hold">
+                      <p:stCondLst>
+                        <p:cond delay="indefinite"/>
+                      </p:stCondLst>
+                      <p:childTnLst>
+                        <p:par>
+                          <p:cTn id="78" fill="hold">
+                            <p:stCondLst>
+                              <p:cond delay="0"/>
+                            </p:stCondLst>
+                            <p:childTnLst>
+                              <p:par>
+                                <p:cTn id="79" presetID="1" presetClass="entr" presetSubtype="0" fill="hold" nodeType="clickEffect">
+                                  <p:stCondLst>
+                                    <p:cond delay="0"/>
+                                  </p:stCondLst>
+                                  <p:childTnLst>
+                                    <p:set>
+                                      <p:cBhvr>
+                                        <p:cTn id="80" dur="1" fill="hold">
+                                          <p:stCondLst>
+                                            <p:cond delay="0"/>
+                                          </p:stCondLst>
+                                        </p:cTn>
+                                        <p:tgtEl>
+                                          <p:spTgt spid="90"/>
+                                        </p:tgtEl>
+                                        <p:attrNameLst>
+                                          <p:attrName>style.visibility</p:attrName>
+                                        </p:attrNameLst>
+                                      </p:cBhvr>
+                                      <p:to>
+                                        <p:strVal val="visible"/>
+                                      </p:to>
+                                    </p:set>
+                                  </p:childTnLst>
+                                </p:cTn>
+                              </p:par>
+                            </p:childTnLst>
+                          </p:cTn>
+                        </p:par>
+                      </p:childTnLst>
+                    </p:cTn>
+                  </p:par>
+                  <p:par>
+                    <p:cTn id="81" fill="hold">
+                      <p:stCondLst>
+                        <p:cond delay="indefinite"/>
+                      </p:stCondLst>
+                      <p:childTnLst>
+                        <p:par>
+                          <p:cTn id="82" fill="hold">
+                            <p:stCondLst>
+                              <p:cond delay="0"/>
+                            </p:stCondLst>
+                            <p:childTnLst>
+                              <p:par>
+                                <p:cTn id="83" presetID="1" presetClass="entr" presetSubtype="0" fill="hold" nodeType="clickEffect">
+                                  <p:stCondLst>
+                                    <p:cond delay="0"/>
+                                  </p:stCondLst>
+                                  <p:childTnLst>
+                                    <p:set>
+                                      <p:cBhvr>
+                                        <p:cTn id="84" dur="1" fill="hold">
+                                          <p:stCondLst>
+                                            <p:cond delay="0"/>
+                                          </p:stCondLst>
+                                        </p:cTn>
+                                        <p:tgtEl>
+                                          <p:spTgt spid="77"/>
+                                        </p:tgtEl>
+                                        <p:attrNameLst>
+                                          <p:attrName>style.visibility</p:attrName>
+                                        </p:attrNameLst>
+                                      </p:cBhvr>
+                                      <p:to>
+                                        <p:strVal val="visible"/>
+                                      </p:to>
+                                    </p:set>
+                                  </p:childTnLst>
+                                </p:cTn>
+                              </p:par>
+                              <p:par>
+                                <p:cTn id="85" presetID="1" presetClass="entr" presetSubtype="0" fill="hold" grpId="0" nodeType="withEffect">
+                                  <p:stCondLst>
+                                    <p:cond delay="0"/>
+                                  </p:stCondLst>
+                                  <p:childTnLst>
+                                    <p:set>
+                                      <p:cBhvr>
+                                        <p:cTn id="86" dur="1" fill="hold">
+                                          <p:stCondLst>
+                                            <p:cond delay="0"/>
+                                          </p:stCondLst>
+                                        </p:cTn>
+                                        <p:tgtEl>
+                                          <p:spTgt spid="11"/>
+                                        </p:tgtEl>
+                                        <p:attrNameLst>
+                                          <p:attrName>style.visibility</p:attrName>
+                                        </p:attrNameLst>
+                                      </p:cBhvr>
+                                      <p:to>
+                                        <p:strVal val="visible"/>
+                                      </p:to>
+                                    </p:set>
+                                  </p:childTnLst>
+                                </p:cTn>
+                              </p:par>
+                            </p:childTnLst>
+                          </p:cTn>
+                        </p:par>
+                      </p:childTnLst>
+                    </p:cTn>
+                  </p:par>
+                </p:childTnLst>
+              </p:cTn>
+              <p:prevCondLst>
+                <p:cond evt="onPrev" delay="0">
+                  <p:tgtEl>
+                    <p:sldTgt/>
+                  </p:tgtEl>
+                </p:cond>
+              </p:prevCondLst>
+              <p:nextCondLst>
+                <p:cond evt="onNext" delay="0">
+                  <p:tgtEl>
+                    <p:sldTgt/>
+                  </p:tgtEl>
+                </p:cond>
+              </p:nextCondLst>
+            </p:seq>
+          </p:childTnLst>
+        </p:cTn>
+      </p:par>
+    </p:tnLst>
+    <p:bldLst>
+      <p:bldP spid="3" grpId="0" animBg="1"/>
+      <p:bldP spid="4" grpId="0" animBg="1"/>
+      <p:bldP spid="5" grpId="0" animBg="1"/>
+      <p:bldP spid="9" grpId="0" animBg="1"/>
+      <p:bldP spid="19" grpId="0" animBg="1"/>
+      <p:bldP spid="20" grpId="0" animBg="1"/>
+      <p:bldP spid="21" grpId="0" animBg="1"/>
+      <p:bldP spid="22" grpId="0" animBg="1"/>
+      <p:bldP spid="23" grpId="0" animBg="1"/>
+      <p:bldP spid="24" grpId="0" animBg="1"/>
+      <p:bldP spid="25" grpId="0" animBg="1"/>
+      <p:bldP spid="26" grpId="0" animBg="1"/>
+      <p:bldP spid="27" grpId="0" animBg="1"/>
+      <p:bldP spid="28" grpId="0" animBg="1"/>
+      <p:bldP spid="69" grpId="0" animBg="1"/>
+      <p:bldP spid="11" grpId="0" animBg="1"/>
+    </p:bldLst>
+  </p:timing>
+</p:sld>
+</file>
+
+<file path=ppt/slides/slide2.xml><?xml version="1.0" encoding="utf-8"?>
+<p:sld xmlns:a="http://schemas.openxmlformats.org/drawingml/2006/main" xmlns:r="http://schemas.openxmlformats.org/officeDocument/2006/relationships" xmlns:p="http://schemas.openxmlformats.org/presentationml/2006/main">
+  <p:cSld>
+    <p:spTree>
+      <p:nvGrpSpPr>
+        <p:cNvPr id="1" name=""/>
+        <p:cNvGrpSpPr/>
+        <p:nvPr/>
+      </p:nvGrpSpPr>
+      <p:grpSpPr>
+        <a:xfrm>
+          <a:off x="0" y="0"/>
+          <a:ext cx="0" cy="0"/>
+          <a:chOff x="0" y="0"/>
+          <a:chExt cx="0" cy="0"/>
+        </a:xfrm>
+      </p:grpSpPr>
+      <p:sp>
+        <p:nvSpPr>
+          <p:cNvPr id="76" name="Rectangle 75">
+            <a:extLst>
+              <a:ext uri="{FF2B5EF4-FFF2-40B4-BE49-F238E27FC236}">
+                <a16:creationId xmlns:a16="http://schemas.microsoft.com/office/drawing/2014/main" id="{6B5413EA-343C-4B79-A0C2-F33DAAC594BF}"/>
+              </a:ext>
+            </a:extLst>
+          </p:cNvPr>
+          <p:cNvSpPr/>
+          <p:nvPr/>
+        </p:nvSpPr>
+        <p:spPr>
+          <a:xfrm>
+            <a:off x="882242" y="74223"/>
+            <a:ext cx="10427515" cy="4798503"/>
+          </a:xfrm>
+          <a:prstGeom prst="rect">
+            <a:avLst/>
+          </a:prstGeom>
+        </p:spPr>
+        <p:style>
+          <a:lnRef idx="1">
+            <a:schemeClr val="accent5"/>
+          </a:lnRef>
+          <a:fillRef idx="2">
+            <a:schemeClr val="accent5"/>
+          </a:fillRef>
+          <a:effectRef idx="1">
+            <a:schemeClr val="accent5"/>
+          </a:effectRef>
+          <a:fontRef idx="minor">
+            <a:schemeClr val="dk1"/>
+          </a:fontRef>
+        </p:style>
+        <p:txBody>
+          <a:bodyPr rtlCol="0" anchor="t"/>
+          <a:lstStyle/>
+          <a:p>
+            <a:pPr algn="ctr"/>
+            <a:r>
+              <a:rPr lang="fr-CA" sz="2800" b="1" dirty="0" err="1">
+                <a:ln w="0"/>
+                <a:solidFill>
+                  <a:schemeClr val="tx1"/>
+                </a:solidFill>
+                <a:effectLst>
+                  <a:outerShdw blurRad="38100" dist="19050" dir="2700000" algn="tl" rotWithShape="0">
+                    <a:schemeClr val="dk1">
+                      <a:alpha val="40000"/>
+                    </a:schemeClr>
+                  </a:outerShdw>
+                </a:effectLst>
+              </a:rPr>
+              <a:t>Bimo</a:t>
+            </a:r>
+            <a:endParaRPr lang="fr-CA" sz="2400" b="1" dirty="0">
+              <a:solidFill>
+                <a:schemeClr val="accent2"/>
+              </a:solidFill>
+            </a:endParaRPr>
+          </a:p>
+        </p:txBody>
+      </p:sp>
+      <p:sp>
+        <p:nvSpPr>
+          <p:cNvPr id="3" name="Rectangle : coins arrondis 2">
+            <a:extLst>
+              <a:ext uri="{FF2B5EF4-FFF2-40B4-BE49-F238E27FC236}">
+                <a16:creationId xmlns:a16="http://schemas.microsoft.com/office/drawing/2014/main" id="{18BA5C4F-7F0B-4E74-A64C-E67E92D5FA28}"/>
+              </a:ext>
+            </a:extLst>
+          </p:cNvPr>
+          <p:cNvSpPr/>
+          <p:nvPr/>
+        </p:nvSpPr>
+        <p:spPr>
+          <a:xfrm>
+            <a:off x="1020655" y="1508257"/>
+            <a:ext cx="10143986" cy="419595"/>
+          </a:xfrm>
+          <a:prstGeom prst="roundRect">
+            <a:avLst/>
+          </a:prstGeom>
+        </p:spPr>
+        <p:style>
+          <a:lnRef idx="2">
+            <a:schemeClr val="accent1">
+              <a:shade val="50000"/>
+            </a:schemeClr>
+          </a:lnRef>
+          <a:fillRef idx="1">
+            <a:schemeClr val="accent1"/>
+          </a:fillRef>
+          <a:effectRef idx="0">
+            <a:schemeClr val="accent1"/>
+          </a:effectRef>
+          <a:fontRef idx="minor">
+            <a:schemeClr val="lt1"/>
+          </a:fontRef>
+        </p:style>
+        <p:txBody>
+          <a:bodyPr rtlCol="0" anchor="ctr"/>
+          <a:lstStyle/>
+          <a:p>
+            <a:pPr algn="ctr"/>
+            <a:r>
+              <a:rPr lang="fr-CA" dirty="0" err="1"/>
+              <a:t>Bimo</a:t>
+            </a:r>
+            <a:r>
+              <a:rPr lang="fr-CA" dirty="0"/>
+              <a:t> Services</a:t>
+            </a:r>
+          </a:p>
+        </p:txBody>
+      </p:sp>
+      <p:sp>
+        <p:nvSpPr>
+          <p:cNvPr id="4" name="Rectangle : coins arrondis 3">
+            <a:extLst>
+              <a:ext uri="{FF2B5EF4-FFF2-40B4-BE49-F238E27FC236}">
+                <a16:creationId xmlns:a16="http://schemas.microsoft.com/office/drawing/2014/main" id="{7233DFD4-EC78-48B3-A8B8-E431787DEE58}"/>
+              </a:ext>
+            </a:extLst>
+          </p:cNvPr>
+          <p:cNvSpPr/>
+          <p:nvPr/>
+        </p:nvSpPr>
+        <p:spPr>
+          <a:xfrm>
+            <a:off x="1020655" y="1978524"/>
+            <a:ext cx="10143986" cy="419595"/>
+          </a:xfrm>
+          <a:prstGeom prst="roundRect">
+            <a:avLst/>
+          </a:prstGeom>
+        </p:spPr>
+        <p:style>
+          <a:lnRef idx="2">
+            <a:schemeClr val="accent1">
+              <a:shade val="50000"/>
+            </a:schemeClr>
+          </a:lnRef>
+          <a:fillRef idx="1">
+            <a:schemeClr val="accent1"/>
+          </a:fillRef>
+          <a:effectRef idx="0">
+            <a:schemeClr val="accent1"/>
+          </a:effectRef>
+          <a:fontRef idx="minor">
+            <a:schemeClr val="lt1"/>
+          </a:fontRef>
+        </p:style>
+        <p:txBody>
+          <a:bodyPr rtlCol="0" anchor="ctr"/>
+          <a:lstStyle/>
+          <a:p>
+            <a:pPr algn="ctr"/>
+            <a:r>
+              <a:rPr lang="fr-CA" dirty="0" err="1"/>
+              <a:t>Bimo</a:t>
+            </a:r>
+            <a:r>
+              <a:rPr lang="fr-CA" dirty="0"/>
+              <a:t> </a:t>
+            </a:r>
+            <a:r>
+              <a:rPr lang="fr-CA" dirty="0" err="1"/>
+              <a:t>Entities</a:t>
+            </a:r>
+            <a:endParaRPr lang="fr-CA" dirty="0"/>
+          </a:p>
+        </p:txBody>
+      </p:sp>
+      <p:sp>
+        <p:nvSpPr>
+          <p:cNvPr id="5" name="Rectangle : coins arrondis 4">
+            <a:extLst>
+              <a:ext uri="{FF2B5EF4-FFF2-40B4-BE49-F238E27FC236}">
+                <a16:creationId xmlns:a16="http://schemas.microsoft.com/office/drawing/2014/main" id="{7BE6ACA0-AE45-4348-81C9-8E37BDA058A7}"/>
+              </a:ext>
+            </a:extLst>
+          </p:cNvPr>
+          <p:cNvSpPr/>
+          <p:nvPr/>
+        </p:nvSpPr>
+        <p:spPr>
+          <a:xfrm>
+            <a:off x="1020655" y="1037990"/>
+            <a:ext cx="10143986" cy="419595"/>
+          </a:xfrm>
+          <a:prstGeom prst="roundRect">
+            <a:avLst/>
+          </a:prstGeom>
+        </p:spPr>
+        <p:style>
+          <a:lnRef idx="2">
+            <a:schemeClr val="accent1">
+              <a:shade val="50000"/>
+            </a:schemeClr>
+          </a:lnRef>
+          <a:fillRef idx="1">
+            <a:schemeClr val="accent1"/>
+          </a:fillRef>
+          <a:effectRef idx="0">
+            <a:schemeClr val="accent1"/>
+          </a:effectRef>
+          <a:fontRef idx="minor">
+            <a:schemeClr val="lt1"/>
+          </a:fontRef>
+        </p:style>
+        <p:txBody>
+          <a:bodyPr rtlCol="0" anchor="ctr"/>
+          <a:lstStyle/>
+          <a:p>
+            <a:pPr algn="ctr"/>
+            <a:r>
+              <a:rPr lang="fr-CA" dirty="0" err="1"/>
+              <a:t>Bimo</a:t>
+            </a:r>
+            <a:r>
+              <a:rPr lang="fr-CA" dirty="0"/>
+              <a:t> Server</a:t>
+            </a:r>
+          </a:p>
+        </p:txBody>
+      </p:sp>
+      <p:sp>
+        <p:nvSpPr>
+          <p:cNvPr id="9" name="Rectangle : coins arrondis 8">
+            <a:extLst>
+              <a:ext uri="{FF2B5EF4-FFF2-40B4-BE49-F238E27FC236}">
+                <a16:creationId xmlns:a16="http://schemas.microsoft.com/office/drawing/2014/main" id="{43AAA113-E2B9-4152-86E8-8993451AF561}"/>
+              </a:ext>
+            </a:extLst>
+          </p:cNvPr>
+          <p:cNvSpPr/>
+          <p:nvPr/>
+        </p:nvSpPr>
+        <p:spPr>
+          <a:xfrm>
+            <a:off x="1020655" y="567723"/>
+            <a:ext cx="10143986" cy="419595"/>
+          </a:xfrm>
+          <a:prstGeom prst="roundRect">
+            <a:avLst/>
+          </a:prstGeom>
+        </p:spPr>
+        <p:style>
+          <a:lnRef idx="2">
+            <a:schemeClr val="accent1">
+              <a:shade val="50000"/>
+            </a:schemeClr>
+          </a:lnRef>
+          <a:fillRef idx="1">
+            <a:schemeClr val="accent1"/>
+          </a:fillRef>
+          <a:effectRef idx="0">
+            <a:schemeClr val="accent1"/>
+          </a:effectRef>
+          <a:fontRef idx="minor">
+            <a:schemeClr val="lt1"/>
+          </a:fontRef>
+        </p:style>
+        <p:txBody>
+          <a:bodyPr rtlCol="0" anchor="ctr"/>
+          <a:lstStyle/>
+          <a:p>
+            <a:pPr algn="ctr"/>
+            <a:r>
+              <a:rPr lang="fr-CA" dirty="0" err="1"/>
+              <a:t>Bimo</a:t>
+            </a:r>
+            <a:r>
+              <a:rPr lang="fr-CA" dirty="0"/>
+              <a:t> UI</a:t>
+            </a:r>
+          </a:p>
+        </p:txBody>
+      </p:sp>
+      <p:sp>
+        <p:nvSpPr>
+          <p:cNvPr id="19" name="Organigramme : Document 18">
+            <a:extLst>
+              <a:ext uri="{FF2B5EF4-FFF2-40B4-BE49-F238E27FC236}">
+                <a16:creationId xmlns:a16="http://schemas.microsoft.com/office/drawing/2014/main" id="{B3C79FD1-1FA2-4DC6-A848-DE950013368C}"/>
+              </a:ext>
+            </a:extLst>
+          </p:cNvPr>
+          <p:cNvSpPr/>
+          <p:nvPr/>
+        </p:nvSpPr>
+        <p:spPr>
+          <a:xfrm>
+            <a:off x="2732653" y="4963711"/>
+            <a:ext cx="1584000" cy="613916"/>
+          </a:xfrm>
+          <a:prstGeom prst="flowChartDocument">
+            <a:avLst/>
+          </a:prstGeom>
+        </p:spPr>
+        <p:style>
+          <a:lnRef idx="2">
+            <a:schemeClr val="accent1">
+              <a:shade val="50000"/>
+            </a:schemeClr>
+          </a:lnRef>
+          <a:fillRef idx="1">
+            <a:schemeClr val="accent1"/>
+          </a:fillRef>
+          <a:effectRef idx="0">
+            <a:schemeClr val="accent1"/>
+          </a:effectRef>
+          <a:fontRef idx="minor">
+            <a:schemeClr val="lt1"/>
+          </a:fontRef>
+        </p:style>
+        <p:txBody>
+          <a:bodyPr rtlCol="0" anchor="ctr"/>
+          <a:lstStyle/>
+          <a:p>
+            <a:pPr algn="ctr"/>
+            <a:r>
+              <a:rPr lang="fr-CA" dirty="0"/>
+              <a:t>.xlsx files</a:t>
+            </a:r>
+          </a:p>
+        </p:txBody>
+      </p:sp>
+      <p:sp>
+        <p:nvSpPr>
+          <p:cNvPr id="20" name="Organigramme : Document 19">
+            <a:extLst>
+              <a:ext uri="{FF2B5EF4-FFF2-40B4-BE49-F238E27FC236}">
+                <a16:creationId xmlns:a16="http://schemas.microsoft.com/office/drawing/2014/main" id="{37E2C6C7-0829-458E-9609-F71D7378E5B8}"/>
+              </a:ext>
+            </a:extLst>
+          </p:cNvPr>
+          <p:cNvSpPr/>
+          <p:nvPr/>
+        </p:nvSpPr>
+        <p:spPr>
+          <a:xfrm>
+            <a:off x="4444650" y="4963711"/>
+            <a:ext cx="1584000" cy="613916"/>
+          </a:xfrm>
+          <a:prstGeom prst="flowChartDocument">
+            <a:avLst/>
+          </a:prstGeom>
+        </p:spPr>
+        <p:style>
+          <a:lnRef idx="2">
+            <a:schemeClr val="accent1">
+              <a:shade val="50000"/>
+            </a:schemeClr>
+          </a:lnRef>
+          <a:fillRef idx="1">
+            <a:schemeClr val="accent1"/>
+          </a:fillRef>
+          <a:effectRef idx="0">
+            <a:schemeClr val="accent1"/>
+          </a:effectRef>
+          <a:fontRef idx="minor">
+            <a:schemeClr val="lt1"/>
+          </a:fontRef>
+        </p:style>
+        <p:txBody>
+          <a:bodyPr rtlCol="0" anchor="ctr"/>
+          <a:lstStyle/>
+          <a:p>
+            <a:pPr algn="ctr"/>
+            <a:r>
+              <a:rPr lang="fr-CA" dirty="0"/>
+              <a:t>Files</a:t>
+            </a:r>
+          </a:p>
+        </p:txBody>
+      </p:sp>
+      <p:sp>
+        <p:nvSpPr>
+          <p:cNvPr id="21" name="Flèche : double flèche verticale 20">
+            <a:extLst>
+              <a:ext uri="{FF2B5EF4-FFF2-40B4-BE49-F238E27FC236}">
+                <a16:creationId xmlns:a16="http://schemas.microsoft.com/office/drawing/2014/main" id="{E1E61297-1687-4006-9588-274C1BDFE04C}"/>
+              </a:ext>
+            </a:extLst>
+          </p:cNvPr>
+          <p:cNvSpPr/>
+          <p:nvPr/>
+        </p:nvSpPr>
+        <p:spPr>
+          <a:xfrm>
+            <a:off x="6156647" y="4923336"/>
+            <a:ext cx="1584000" cy="694667"/>
+          </a:xfrm>
+          <a:prstGeom prst="upDownArrow">
+            <a:avLst>
+              <a:gd name="adj1" fmla="val 67778"/>
+              <a:gd name="adj2" fmla="val 28401"/>
+            </a:avLst>
+          </a:prstGeom>
+        </p:spPr>
+        <p:style>
+          <a:lnRef idx="2">
+            <a:schemeClr val="accent1">
+              <a:shade val="50000"/>
+            </a:schemeClr>
+          </a:lnRef>
+          <a:fillRef idx="1">
+            <a:schemeClr val="accent1"/>
+          </a:fillRef>
+          <a:effectRef idx="0">
+            <a:schemeClr val="accent1"/>
+          </a:effectRef>
+          <a:fontRef idx="minor">
+            <a:schemeClr val="lt1"/>
+          </a:fontRef>
+        </p:style>
+        <p:txBody>
+          <a:bodyPr rtlCol="0" anchor="ctr"/>
+          <a:lstStyle/>
+          <a:p>
+            <a:pPr algn="ctr"/>
+            <a:r>
+              <a:rPr lang="fr-CA" dirty="0"/>
+              <a:t>JSON API</a:t>
+            </a:r>
+          </a:p>
+        </p:txBody>
+      </p:sp>
+      <p:sp>
+        <p:nvSpPr>
+          <p:cNvPr id="22" name="Organigramme : Document 21">
+            <a:extLst>
+              <a:ext uri="{FF2B5EF4-FFF2-40B4-BE49-F238E27FC236}">
+                <a16:creationId xmlns:a16="http://schemas.microsoft.com/office/drawing/2014/main" id="{8CCBE1B9-E9BC-470D-9C0F-C0F4F42CE064}"/>
+              </a:ext>
+            </a:extLst>
+          </p:cNvPr>
+          <p:cNvSpPr/>
+          <p:nvPr/>
+        </p:nvSpPr>
+        <p:spPr>
+          <a:xfrm>
+            <a:off x="7868644" y="4963711"/>
+            <a:ext cx="1584000" cy="613916"/>
+          </a:xfrm>
+          <a:prstGeom prst="flowChartDocument">
+            <a:avLst/>
+          </a:prstGeom>
+        </p:spPr>
+        <p:style>
+          <a:lnRef idx="2">
+            <a:schemeClr val="accent1">
+              <a:shade val="50000"/>
+            </a:schemeClr>
+          </a:lnRef>
+          <a:fillRef idx="1">
+            <a:schemeClr val="accent1"/>
+          </a:fillRef>
+          <a:effectRef idx="0">
+            <a:schemeClr val="accent1"/>
+          </a:effectRef>
+          <a:fontRef idx="minor">
+            <a:schemeClr val="lt1"/>
+          </a:fontRef>
+        </p:style>
+        <p:txBody>
+          <a:bodyPr rtlCol="0" anchor="ctr"/>
+          <a:lstStyle/>
+          <a:p>
+            <a:pPr algn="ctr"/>
+            <a:r>
+              <a:rPr lang="fr-CA" dirty="0"/>
+              <a:t>Files</a:t>
+            </a:r>
+          </a:p>
+        </p:txBody>
+      </p:sp>
+      <p:sp>
+        <p:nvSpPr>
+          <p:cNvPr id="23" name="Organigramme : Document 22">
+            <a:extLst>
+              <a:ext uri="{FF2B5EF4-FFF2-40B4-BE49-F238E27FC236}">
+                <a16:creationId xmlns:a16="http://schemas.microsoft.com/office/drawing/2014/main" id="{CE1E19DC-17CD-49B9-B7D4-D55783E7B9D4}"/>
+              </a:ext>
+            </a:extLst>
+          </p:cNvPr>
+          <p:cNvSpPr/>
+          <p:nvPr/>
+        </p:nvSpPr>
+        <p:spPr>
+          <a:xfrm>
+            <a:off x="1020656" y="4963711"/>
+            <a:ext cx="1584000" cy="613916"/>
+          </a:xfrm>
+          <a:prstGeom prst="flowChartDocument">
+            <a:avLst/>
+          </a:prstGeom>
+        </p:spPr>
+        <p:style>
+          <a:lnRef idx="2">
+            <a:schemeClr val="accent1">
+              <a:shade val="50000"/>
+            </a:schemeClr>
+          </a:lnRef>
+          <a:fillRef idx="1">
+            <a:schemeClr val="accent1"/>
+          </a:fillRef>
+          <a:effectRef idx="0">
+            <a:schemeClr val="accent1"/>
+          </a:effectRef>
+          <a:fontRef idx="minor">
+            <a:schemeClr val="lt1"/>
+          </a:fontRef>
+        </p:style>
+        <p:txBody>
+          <a:bodyPr rtlCol="0" anchor="ctr"/>
+          <a:lstStyle/>
+          <a:p>
+            <a:pPr algn="ctr"/>
+            <a:r>
+              <a:rPr lang="fr-CA" dirty="0"/>
+              <a:t>.txt files</a:t>
+            </a:r>
+          </a:p>
+        </p:txBody>
+      </p:sp>
+      <p:sp>
+        <p:nvSpPr>
+          <p:cNvPr id="24" name="Organigramme : Disque magnétique 23">
+            <a:extLst>
+              <a:ext uri="{FF2B5EF4-FFF2-40B4-BE49-F238E27FC236}">
+                <a16:creationId xmlns:a16="http://schemas.microsoft.com/office/drawing/2014/main" id="{3F89690A-872F-4765-804A-BF069B53F5AF}"/>
+              </a:ext>
+            </a:extLst>
+          </p:cNvPr>
+          <p:cNvSpPr/>
+          <p:nvPr/>
+        </p:nvSpPr>
+        <p:spPr>
+          <a:xfrm>
+            <a:off x="2732653" y="5678069"/>
+            <a:ext cx="1584000" cy="536895"/>
+          </a:xfrm>
+          <a:prstGeom prst="flowChartMagneticDisk">
+            <a:avLst/>
+          </a:prstGeom>
+        </p:spPr>
+        <p:style>
+          <a:lnRef idx="2">
+            <a:schemeClr val="accent1">
+              <a:shade val="50000"/>
+            </a:schemeClr>
+          </a:lnRef>
+          <a:fillRef idx="1">
+            <a:schemeClr val="accent1"/>
+          </a:fillRef>
+          <a:effectRef idx="0">
+            <a:schemeClr val="accent1"/>
+          </a:effectRef>
+          <a:fontRef idx="minor">
+            <a:schemeClr val="lt1"/>
+          </a:fontRef>
+        </p:style>
+        <p:txBody>
+          <a:bodyPr rtlCol="0" anchor="ctr"/>
+          <a:lstStyle/>
+          <a:p>
+            <a:pPr algn="ctr"/>
+            <a:r>
+              <a:rPr lang="fr-CA" dirty="0"/>
+              <a:t>Excel</a:t>
+            </a:r>
+          </a:p>
+        </p:txBody>
+      </p:sp>
+      <p:sp>
+        <p:nvSpPr>
+          <p:cNvPr id="25" name="Organigramme : Disque magnétique 24">
+            <a:extLst>
+              <a:ext uri="{FF2B5EF4-FFF2-40B4-BE49-F238E27FC236}">
+                <a16:creationId xmlns:a16="http://schemas.microsoft.com/office/drawing/2014/main" id="{3A6A7E15-3444-4E76-833A-80C1FDEB4822}"/>
+              </a:ext>
+            </a:extLst>
+          </p:cNvPr>
+          <p:cNvSpPr/>
+          <p:nvPr/>
+        </p:nvSpPr>
+        <p:spPr>
+          <a:xfrm>
+            <a:off x="4444650" y="5678068"/>
+            <a:ext cx="1584000" cy="536895"/>
+          </a:xfrm>
+          <a:prstGeom prst="flowChartMagneticDisk">
+            <a:avLst/>
+          </a:prstGeom>
+        </p:spPr>
+        <p:style>
+          <a:lnRef idx="2">
+            <a:schemeClr val="accent1">
+              <a:shade val="50000"/>
+            </a:schemeClr>
+          </a:lnRef>
+          <a:fillRef idx="1">
+            <a:schemeClr val="accent1"/>
+          </a:fillRef>
+          <a:effectRef idx="0">
+            <a:schemeClr val="accent1"/>
+          </a:effectRef>
+          <a:fontRef idx="minor">
+            <a:schemeClr val="lt1"/>
+          </a:fontRef>
+        </p:style>
+        <p:txBody>
+          <a:bodyPr rtlCol="0" anchor="ctr"/>
+          <a:lstStyle/>
+          <a:p>
+            <a:pPr algn="ctr"/>
+            <a:r>
+              <a:rPr lang="fr-CA" dirty="0"/>
+              <a:t>System 1</a:t>
+            </a:r>
+          </a:p>
+        </p:txBody>
+      </p:sp>
+      <p:sp>
+        <p:nvSpPr>
+          <p:cNvPr id="26" name="Organigramme : Disque magnétique 25">
+            <a:extLst>
+              <a:ext uri="{FF2B5EF4-FFF2-40B4-BE49-F238E27FC236}">
+                <a16:creationId xmlns:a16="http://schemas.microsoft.com/office/drawing/2014/main" id="{F29CE071-82C2-4352-BBA0-FA96AB751DCE}"/>
+              </a:ext>
+            </a:extLst>
+          </p:cNvPr>
+          <p:cNvSpPr/>
+          <p:nvPr/>
+        </p:nvSpPr>
+        <p:spPr>
+          <a:xfrm>
+            <a:off x="6156647" y="5678068"/>
+            <a:ext cx="1584000" cy="536895"/>
+          </a:xfrm>
+          <a:prstGeom prst="flowChartMagneticDisk">
+            <a:avLst/>
+          </a:prstGeom>
+        </p:spPr>
+        <p:style>
+          <a:lnRef idx="2">
+            <a:schemeClr val="accent1">
+              <a:shade val="50000"/>
+            </a:schemeClr>
+          </a:lnRef>
+          <a:fillRef idx="1">
+            <a:schemeClr val="accent1"/>
+          </a:fillRef>
+          <a:effectRef idx="0">
+            <a:schemeClr val="accent1"/>
+          </a:effectRef>
+          <a:fontRef idx="minor">
+            <a:schemeClr val="lt1"/>
+          </a:fontRef>
+        </p:style>
+        <p:txBody>
+          <a:bodyPr rtlCol="0" anchor="ctr"/>
+          <a:lstStyle/>
+          <a:p>
+            <a:pPr algn="ctr"/>
+            <a:r>
+              <a:rPr lang="fr-CA" dirty="0"/>
+              <a:t>System 2</a:t>
+            </a:r>
+          </a:p>
+        </p:txBody>
+      </p:sp>
+      <p:sp>
+        <p:nvSpPr>
+          <p:cNvPr id="27" name="Organigramme : Disque magnétique 26">
+            <a:extLst>
+              <a:ext uri="{FF2B5EF4-FFF2-40B4-BE49-F238E27FC236}">
+                <a16:creationId xmlns:a16="http://schemas.microsoft.com/office/drawing/2014/main" id="{44E05A7E-2E3A-45C6-AE08-CAA2D7E5C700}"/>
+              </a:ext>
+            </a:extLst>
+          </p:cNvPr>
+          <p:cNvSpPr/>
+          <p:nvPr/>
+        </p:nvSpPr>
+        <p:spPr>
+          <a:xfrm>
+            <a:off x="7868644" y="5678067"/>
+            <a:ext cx="1584000" cy="536895"/>
+          </a:xfrm>
+          <a:prstGeom prst="flowChartMagneticDisk">
+            <a:avLst/>
+          </a:prstGeom>
+        </p:spPr>
+        <p:style>
+          <a:lnRef idx="2">
+            <a:schemeClr val="accent1">
+              <a:shade val="50000"/>
+            </a:schemeClr>
+          </a:lnRef>
+          <a:fillRef idx="1">
+            <a:schemeClr val="accent1"/>
+          </a:fillRef>
+          <a:effectRef idx="0">
+            <a:schemeClr val="accent1"/>
+          </a:effectRef>
+          <a:fontRef idx="minor">
+            <a:schemeClr val="lt1"/>
+          </a:fontRef>
+        </p:style>
+        <p:txBody>
+          <a:bodyPr rtlCol="0" anchor="ctr"/>
+          <a:lstStyle/>
+          <a:p>
+            <a:pPr algn="ctr"/>
+            <a:r>
+              <a:rPr lang="fr-CA" dirty="0"/>
+              <a:t>System 3</a:t>
+            </a:r>
+          </a:p>
+        </p:txBody>
+      </p:sp>
+      <p:sp>
+        <p:nvSpPr>
+          <p:cNvPr id="28" name="Organigramme : Disque magnétique 27">
+            <a:extLst>
+              <a:ext uri="{FF2B5EF4-FFF2-40B4-BE49-F238E27FC236}">
+                <a16:creationId xmlns:a16="http://schemas.microsoft.com/office/drawing/2014/main" id="{28A32344-8852-41F7-975F-AC2EF662FA58}"/>
+              </a:ext>
+            </a:extLst>
+          </p:cNvPr>
+          <p:cNvSpPr/>
+          <p:nvPr/>
+        </p:nvSpPr>
+        <p:spPr>
+          <a:xfrm>
+            <a:off x="1020656" y="5678066"/>
+            <a:ext cx="1584000" cy="536895"/>
+          </a:xfrm>
+          <a:prstGeom prst="flowChartMagneticDisk">
+            <a:avLst/>
+          </a:prstGeom>
+        </p:spPr>
+        <p:style>
+          <a:lnRef idx="2">
+            <a:schemeClr val="accent1">
+              <a:shade val="50000"/>
+            </a:schemeClr>
+          </a:lnRef>
+          <a:fillRef idx="1">
+            <a:schemeClr val="accent1"/>
+          </a:fillRef>
+          <a:effectRef idx="0">
+            <a:schemeClr val="accent1"/>
+          </a:effectRef>
+          <a:fontRef idx="minor">
+            <a:schemeClr val="lt1"/>
+          </a:fontRef>
+        </p:style>
+        <p:txBody>
+          <a:bodyPr rtlCol="0" anchor="ctr"/>
+          <a:lstStyle/>
+          <a:p>
+            <a:pPr algn="ctr"/>
+            <a:r>
+              <a:rPr lang="fr-CA" dirty="0" err="1"/>
+              <a:t>Hastus</a:t>
+            </a:r>
+            <a:endParaRPr lang="fr-CA" dirty="0"/>
+          </a:p>
+        </p:txBody>
+      </p:sp>
+      <p:grpSp>
+        <p:nvGrpSpPr>
+          <p:cNvPr id="43" name="Plugin Concorde">
+            <a:extLst>
+              <a:ext uri="{FF2B5EF4-FFF2-40B4-BE49-F238E27FC236}">
+                <a16:creationId xmlns:a16="http://schemas.microsoft.com/office/drawing/2014/main" id="{627D5DBB-AD9E-42B9-92AB-B62F4B2D4AB4}"/>
+              </a:ext>
+            </a:extLst>
+          </p:cNvPr>
+          <p:cNvGrpSpPr/>
+          <p:nvPr/>
+        </p:nvGrpSpPr>
+        <p:grpSpPr>
+          <a:xfrm>
+            <a:off x="2732273" y="2508461"/>
+            <a:ext cx="1585520" cy="2211923"/>
+            <a:chOff x="3481430" y="2677519"/>
+            <a:chExt cx="1585520" cy="2211923"/>
+          </a:xfrm>
+        </p:grpSpPr>
+        <p:sp>
+          <p:nvSpPr>
+            <p:cNvPr id="38" name="Rectangle 37">
+              <a:extLst>
+                <a:ext uri="{FF2B5EF4-FFF2-40B4-BE49-F238E27FC236}">
+                  <a16:creationId xmlns:a16="http://schemas.microsoft.com/office/drawing/2014/main" id="{7011458A-6A4E-4D76-BE4C-4A82AD3A92F5}"/>
+                </a:ext>
+              </a:extLst>
+            </p:cNvPr>
+            <p:cNvSpPr/>
+            <p:nvPr/>
+          </p:nvSpPr>
+          <p:spPr>
+            <a:xfrm>
+              <a:off x="3801990" y="2677520"/>
+              <a:ext cx="1264960" cy="2211922"/>
+            </a:xfrm>
+            <a:prstGeom prst="rect">
+              <a:avLst/>
+            </a:prstGeom>
+          </p:spPr>
+          <p:style>
+            <a:lnRef idx="1">
+              <a:schemeClr val="accent1"/>
+            </a:lnRef>
+            <a:fillRef idx="2">
+              <a:schemeClr val="accent1"/>
+            </a:fillRef>
+            <a:effectRef idx="1">
+              <a:schemeClr val="accent1"/>
+            </a:effectRef>
+            <a:fontRef idx="minor">
+              <a:schemeClr val="dk1"/>
+            </a:fontRef>
+          </p:style>
+          <p:txBody>
+            <a:bodyPr rtlCol="0" anchor="ctr"/>
+            <a:lstStyle/>
+            <a:p>
+              <a:pPr algn="ctr"/>
+              <a:endParaRPr lang="fr-CA" dirty="0"/>
+            </a:p>
+          </p:txBody>
+        </p:sp>
+        <p:sp>
+          <p:nvSpPr>
+            <p:cNvPr id="37" name="Rectangle 36">
+              <a:extLst>
+                <a:ext uri="{FF2B5EF4-FFF2-40B4-BE49-F238E27FC236}">
+                  <a16:creationId xmlns:a16="http://schemas.microsoft.com/office/drawing/2014/main" id="{6C2A64EE-4557-4A69-B696-7193E2FA2891}"/>
+                </a:ext>
+              </a:extLst>
+            </p:cNvPr>
+            <p:cNvSpPr/>
+            <p:nvPr/>
+          </p:nvSpPr>
+          <p:spPr>
+            <a:xfrm rot="16200000">
+              <a:off x="2535748" y="3623201"/>
+              <a:ext cx="2211923" cy="320560"/>
+            </a:xfrm>
+            <a:prstGeom prst="rect">
+              <a:avLst/>
+            </a:prstGeom>
+          </p:spPr>
+          <p:style>
+            <a:lnRef idx="2">
+              <a:schemeClr val="accent1">
+                <a:shade val="50000"/>
+              </a:schemeClr>
+            </a:lnRef>
+            <a:fillRef idx="1">
+              <a:schemeClr val="accent1"/>
+            </a:fillRef>
+            <a:effectRef idx="0">
+              <a:schemeClr val="accent1"/>
+            </a:effectRef>
+            <a:fontRef idx="minor">
+              <a:schemeClr val="lt1"/>
+            </a:fontRef>
+          </p:style>
+          <p:txBody>
+            <a:bodyPr rtlCol="0" anchor="ctr"/>
+            <a:lstStyle/>
+            <a:p>
+              <a:pPr algn="ctr"/>
+              <a:r>
+                <a:rPr lang="fr-CA" dirty="0"/>
+                <a:t>Excel Plugin</a:t>
+              </a:r>
+            </a:p>
+          </p:txBody>
+        </p:sp>
+        <p:sp>
+          <p:nvSpPr>
+            <p:cNvPr id="39" name="Flèche : double flèche verticale 38">
+              <a:extLst>
+                <a:ext uri="{FF2B5EF4-FFF2-40B4-BE49-F238E27FC236}">
+                  <a16:creationId xmlns:a16="http://schemas.microsoft.com/office/drawing/2014/main" id="{90B8028B-36DD-4636-989C-1E6FEE3A2545}"/>
+                </a:ext>
+              </a:extLst>
+            </p:cNvPr>
+            <p:cNvSpPr/>
+            <p:nvPr/>
+          </p:nvSpPr>
+          <p:spPr>
+            <a:xfrm>
+              <a:off x="3870153" y="4149781"/>
+              <a:ext cx="1118010" cy="694762"/>
+            </a:xfrm>
+            <a:prstGeom prst="upDownArrow">
+              <a:avLst>
+                <a:gd name="adj1" fmla="val 67620"/>
+                <a:gd name="adj2" fmla="val 36568"/>
+              </a:avLst>
+            </a:prstGeom>
+          </p:spPr>
+          <p:style>
+            <a:lnRef idx="2">
+              <a:schemeClr val="accent1">
+                <a:shade val="50000"/>
+              </a:schemeClr>
+            </a:lnRef>
+            <a:fillRef idx="1">
+              <a:schemeClr val="accent1"/>
+            </a:fillRef>
+            <a:effectRef idx="0">
+              <a:schemeClr val="accent1"/>
+            </a:effectRef>
+            <a:fontRef idx="minor">
+              <a:schemeClr val="lt1"/>
+            </a:fontRef>
+          </p:style>
+          <p:txBody>
+            <a:bodyPr rtlCol="0" anchor="ctr"/>
+            <a:lstStyle/>
+            <a:p>
+              <a:pPr algn="ctr"/>
+              <a:r>
+                <a:rPr lang="fr-CA" sz="1400" dirty="0"/>
+                <a:t>I/O</a:t>
+              </a:r>
+            </a:p>
+          </p:txBody>
+        </p:sp>
+        <p:sp>
+          <p:nvSpPr>
+            <p:cNvPr id="40" name="Rectangle : coins arrondis 39">
+              <a:extLst>
+                <a:ext uri="{FF2B5EF4-FFF2-40B4-BE49-F238E27FC236}">
+                  <a16:creationId xmlns:a16="http://schemas.microsoft.com/office/drawing/2014/main" id="{FD94F23C-5951-4704-9235-D6CC59B3EEB7}"/>
+                </a:ext>
+              </a:extLst>
+            </p:cNvPr>
+            <p:cNvSpPr/>
+            <p:nvPr/>
+          </p:nvSpPr>
+          <p:spPr>
+            <a:xfrm>
+              <a:off x="3870152" y="3545582"/>
+              <a:ext cx="1118010" cy="536895"/>
+            </a:xfrm>
+            <a:prstGeom prst="roundRect">
+              <a:avLst/>
+            </a:prstGeom>
+          </p:spPr>
+          <p:style>
+            <a:lnRef idx="2">
+              <a:schemeClr val="accent1">
+                <a:shade val="50000"/>
+              </a:schemeClr>
+            </a:lnRef>
+            <a:fillRef idx="1">
+              <a:schemeClr val="accent1"/>
+            </a:fillRef>
+            <a:effectRef idx="0">
+              <a:schemeClr val="accent1"/>
+            </a:effectRef>
+            <a:fontRef idx="minor">
+              <a:schemeClr val="lt1"/>
+            </a:fontRef>
+          </p:style>
+          <p:txBody>
+            <a:bodyPr rtlCol="0" anchor="ctr"/>
+            <a:lstStyle/>
+            <a:p>
+              <a:pPr algn="ctr"/>
+              <a:r>
+                <a:rPr lang="fr-CA" sz="1400" dirty="0" err="1"/>
+                <a:t>Entities</a:t>
+              </a:r>
+              <a:endParaRPr lang="fr-CA" sz="1400" dirty="0"/>
+            </a:p>
+          </p:txBody>
+        </p:sp>
+        <p:sp>
+          <p:nvSpPr>
+            <p:cNvPr id="42" name="Flèche : double flèche verticale 41">
+              <a:extLst>
+                <a:ext uri="{FF2B5EF4-FFF2-40B4-BE49-F238E27FC236}">
+                  <a16:creationId xmlns:a16="http://schemas.microsoft.com/office/drawing/2014/main" id="{C019207A-A192-4450-8AD6-0048698B36DE}"/>
+                </a:ext>
+              </a:extLst>
+            </p:cNvPr>
+            <p:cNvSpPr/>
+            <p:nvPr/>
+          </p:nvSpPr>
+          <p:spPr>
+            <a:xfrm>
+              <a:off x="3870152" y="2755064"/>
+              <a:ext cx="1118010" cy="694762"/>
+            </a:xfrm>
+            <a:prstGeom prst="upDownArrow">
+              <a:avLst>
+                <a:gd name="adj1" fmla="val 67620"/>
+                <a:gd name="adj2" fmla="val 36568"/>
+              </a:avLst>
+            </a:prstGeom>
+          </p:spPr>
+          <p:style>
+            <a:lnRef idx="2">
+              <a:schemeClr val="accent1">
+                <a:shade val="50000"/>
+              </a:schemeClr>
+            </a:lnRef>
+            <a:fillRef idx="1">
+              <a:schemeClr val="accent1"/>
+            </a:fillRef>
+            <a:effectRef idx="0">
+              <a:schemeClr val="accent1"/>
+            </a:effectRef>
+            <a:fontRef idx="minor">
+              <a:schemeClr val="lt1"/>
+            </a:fontRef>
+          </p:style>
+          <p:txBody>
+            <a:bodyPr rtlCol="0" anchor="ctr"/>
+            <a:lstStyle/>
+            <a:p>
+              <a:pPr algn="ctr"/>
+              <a:r>
+                <a:rPr lang="fr-CA" sz="1400" dirty="0" err="1"/>
+                <a:t>Transco</a:t>
+              </a:r>
+              <a:endParaRPr lang="fr-CA" sz="1400" dirty="0"/>
+            </a:p>
+          </p:txBody>
+        </p:sp>
+      </p:grpSp>
+      <p:grpSp>
+        <p:nvGrpSpPr>
+          <p:cNvPr id="44" name="Plugin Agathe">
+            <a:extLst>
+              <a:ext uri="{FF2B5EF4-FFF2-40B4-BE49-F238E27FC236}">
+                <a16:creationId xmlns:a16="http://schemas.microsoft.com/office/drawing/2014/main" id="{6B994072-4C3A-4D4F-852C-595F919128A5}"/>
+              </a:ext>
+            </a:extLst>
+          </p:cNvPr>
+          <p:cNvGrpSpPr/>
+          <p:nvPr/>
+        </p:nvGrpSpPr>
+        <p:grpSpPr>
+          <a:xfrm>
+            <a:off x="4443890" y="2508461"/>
+            <a:ext cx="1585520" cy="2211923"/>
+            <a:chOff x="3481430" y="2677519"/>
+            <a:chExt cx="1585520" cy="2211923"/>
+          </a:xfrm>
+        </p:grpSpPr>
+        <p:sp>
+          <p:nvSpPr>
+            <p:cNvPr id="45" name="Rectangle 44">
+              <a:extLst>
+                <a:ext uri="{FF2B5EF4-FFF2-40B4-BE49-F238E27FC236}">
+                  <a16:creationId xmlns:a16="http://schemas.microsoft.com/office/drawing/2014/main" id="{F7AE6546-201C-4AC9-A73F-B47A78CEB91C}"/>
+                </a:ext>
+              </a:extLst>
+            </p:cNvPr>
+            <p:cNvSpPr/>
+            <p:nvPr/>
+          </p:nvSpPr>
+          <p:spPr>
+            <a:xfrm>
+              <a:off x="3801990" y="2677520"/>
+              <a:ext cx="1264960" cy="2211922"/>
+            </a:xfrm>
+            <a:prstGeom prst="rect">
+              <a:avLst/>
+            </a:prstGeom>
+          </p:spPr>
+          <p:style>
+            <a:lnRef idx="1">
+              <a:schemeClr val="accent1"/>
+            </a:lnRef>
+            <a:fillRef idx="2">
+              <a:schemeClr val="accent1"/>
+            </a:fillRef>
+            <a:effectRef idx="1">
+              <a:schemeClr val="accent1"/>
+            </a:effectRef>
+            <a:fontRef idx="minor">
+              <a:schemeClr val="dk1"/>
+            </a:fontRef>
+          </p:style>
+          <p:txBody>
+            <a:bodyPr rtlCol="0" anchor="ctr"/>
+            <a:lstStyle/>
+            <a:p>
+              <a:pPr algn="ctr"/>
+              <a:endParaRPr lang="fr-CA" dirty="0"/>
+            </a:p>
+          </p:txBody>
+        </p:sp>
+        <p:sp>
+          <p:nvSpPr>
+            <p:cNvPr id="46" name="Rectangle 45">
+              <a:extLst>
+                <a:ext uri="{FF2B5EF4-FFF2-40B4-BE49-F238E27FC236}">
+                  <a16:creationId xmlns:a16="http://schemas.microsoft.com/office/drawing/2014/main" id="{7BC956CA-D98B-4A50-8C87-A635574635D8}"/>
+                </a:ext>
+              </a:extLst>
+            </p:cNvPr>
+            <p:cNvSpPr/>
+            <p:nvPr/>
+          </p:nvSpPr>
+          <p:spPr>
+            <a:xfrm rot="16200000">
+              <a:off x="2535748" y="3623201"/>
+              <a:ext cx="2211923" cy="320560"/>
+            </a:xfrm>
+            <a:prstGeom prst="rect">
+              <a:avLst/>
+            </a:prstGeom>
+          </p:spPr>
+          <p:style>
+            <a:lnRef idx="2">
+              <a:schemeClr val="accent1">
+                <a:shade val="50000"/>
+              </a:schemeClr>
+            </a:lnRef>
+            <a:fillRef idx="1">
+              <a:schemeClr val="accent1"/>
+            </a:fillRef>
+            <a:effectRef idx="0">
+              <a:schemeClr val="accent1"/>
+            </a:effectRef>
+            <a:fontRef idx="minor">
+              <a:schemeClr val="lt1"/>
+            </a:fontRef>
+          </p:style>
+          <p:txBody>
+            <a:bodyPr rtlCol="0" anchor="ctr"/>
+            <a:lstStyle/>
+            <a:p>
+              <a:pPr algn="ctr"/>
+              <a:r>
+                <a:rPr lang="fr-CA" dirty="0" err="1"/>
+                <a:t>External</a:t>
+              </a:r>
+              <a:r>
+                <a:rPr lang="fr-CA" dirty="0"/>
+                <a:t> Plugin 1</a:t>
+              </a:r>
+            </a:p>
+          </p:txBody>
+        </p:sp>
+        <p:sp>
+          <p:nvSpPr>
+            <p:cNvPr id="47" name="Flèche : double flèche verticale 46">
+              <a:extLst>
+                <a:ext uri="{FF2B5EF4-FFF2-40B4-BE49-F238E27FC236}">
+                  <a16:creationId xmlns:a16="http://schemas.microsoft.com/office/drawing/2014/main" id="{DAD4AD96-DD2A-41ED-A417-6D9F8C76A3AA}"/>
+                </a:ext>
+              </a:extLst>
+            </p:cNvPr>
+            <p:cNvSpPr/>
+            <p:nvPr/>
+          </p:nvSpPr>
+          <p:spPr>
+            <a:xfrm>
+              <a:off x="3870153" y="4149781"/>
+              <a:ext cx="1118010" cy="694762"/>
+            </a:xfrm>
+            <a:prstGeom prst="upDownArrow">
+              <a:avLst>
+                <a:gd name="adj1" fmla="val 67620"/>
+                <a:gd name="adj2" fmla="val 36568"/>
+              </a:avLst>
+            </a:prstGeom>
+          </p:spPr>
+          <p:style>
+            <a:lnRef idx="2">
+              <a:schemeClr val="accent1">
+                <a:shade val="50000"/>
+              </a:schemeClr>
+            </a:lnRef>
+            <a:fillRef idx="1">
+              <a:schemeClr val="accent1"/>
+            </a:fillRef>
+            <a:effectRef idx="0">
+              <a:schemeClr val="accent1"/>
+            </a:effectRef>
+            <a:fontRef idx="minor">
+              <a:schemeClr val="lt1"/>
+            </a:fontRef>
+          </p:style>
+          <p:txBody>
+            <a:bodyPr rtlCol="0" anchor="ctr"/>
+            <a:lstStyle/>
+            <a:p>
+              <a:pPr algn="ctr"/>
+              <a:r>
+                <a:rPr lang="fr-CA" sz="1400" dirty="0"/>
+                <a:t>I/O</a:t>
+              </a:r>
+            </a:p>
+          </p:txBody>
+        </p:sp>
+        <p:sp>
+          <p:nvSpPr>
+            <p:cNvPr id="48" name="Rectangle : coins arrondis 47">
+              <a:extLst>
+                <a:ext uri="{FF2B5EF4-FFF2-40B4-BE49-F238E27FC236}">
+                  <a16:creationId xmlns:a16="http://schemas.microsoft.com/office/drawing/2014/main" id="{CB1C3C8F-86E9-4E78-91E8-E022F2D8A0EE}"/>
+                </a:ext>
+              </a:extLst>
+            </p:cNvPr>
+            <p:cNvSpPr/>
+            <p:nvPr/>
+          </p:nvSpPr>
+          <p:spPr>
+            <a:xfrm>
+              <a:off x="3870152" y="3545582"/>
+              <a:ext cx="1118010" cy="536895"/>
+            </a:xfrm>
+            <a:prstGeom prst="roundRect">
+              <a:avLst/>
+            </a:prstGeom>
+          </p:spPr>
+          <p:style>
+            <a:lnRef idx="2">
+              <a:schemeClr val="accent1">
+                <a:shade val="50000"/>
+              </a:schemeClr>
+            </a:lnRef>
+            <a:fillRef idx="1">
+              <a:schemeClr val="accent1"/>
+            </a:fillRef>
+            <a:effectRef idx="0">
+              <a:schemeClr val="accent1"/>
+            </a:effectRef>
+            <a:fontRef idx="minor">
+              <a:schemeClr val="lt1"/>
+            </a:fontRef>
+          </p:style>
+          <p:txBody>
+            <a:bodyPr rtlCol="0" anchor="ctr"/>
+            <a:lstStyle/>
+            <a:p>
+              <a:pPr algn="ctr"/>
+              <a:r>
+                <a:rPr lang="fr-CA" sz="1400" dirty="0" err="1"/>
+                <a:t>Entities</a:t>
+              </a:r>
+              <a:endParaRPr lang="fr-CA" sz="1400" dirty="0"/>
+            </a:p>
+          </p:txBody>
+        </p:sp>
+        <p:sp>
+          <p:nvSpPr>
+            <p:cNvPr id="49" name="Flèche : double flèche verticale 48">
+              <a:extLst>
+                <a:ext uri="{FF2B5EF4-FFF2-40B4-BE49-F238E27FC236}">
+                  <a16:creationId xmlns:a16="http://schemas.microsoft.com/office/drawing/2014/main" id="{A780DFE9-6858-488F-B681-4A31D0BDFE61}"/>
+                </a:ext>
+              </a:extLst>
+            </p:cNvPr>
+            <p:cNvSpPr/>
+            <p:nvPr/>
+          </p:nvSpPr>
+          <p:spPr>
+            <a:xfrm>
+              <a:off x="3870152" y="2755064"/>
+              <a:ext cx="1118010" cy="694762"/>
+            </a:xfrm>
+            <a:prstGeom prst="upDownArrow">
+              <a:avLst>
+                <a:gd name="adj1" fmla="val 67620"/>
+                <a:gd name="adj2" fmla="val 36568"/>
+              </a:avLst>
+            </a:prstGeom>
+          </p:spPr>
+          <p:style>
+            <a:lnRef idx="2">
+              <a:schemeClr val="accent1">
+                <a:shade val="50000"/>
+              </a:schemeClr>
+            </a:lnRef>
+            <a:fillRef idx="1">
+              <a:schemeClr val="accent1"/>
+            </a:fillRef>
+            <a:effectRef idx="0">
+              <a:schemeClr val="accent1"/>
+            </a:effectRef>
+            <a:fontRef idx="minor">
+              <a:schemeClr val="lt1"/>
+            </a:fontRef>
+          </p:style>
+          <p:txBody>
+            <a:bodyPr rtlCol="0" anchor="ctr"/>
+            <a:lstStyle/>
+            <a:p>
+              <a:pPr algn="ctr"/>
+              <a:r>
+                <a:rPr lang="fr-CA" sz="1400" dirty="0" err="1"/>
+                <a:t>Transco</a:t>
+              </a:r>
+              <a:endParaRPr lang="fr-CA" sz="1400" dirty="0"/>
+            </a:p>
+          </p:txBody>
+        </p:sp>
+      </p:grpSp>
+      <p:grpSp>
+        <p:nvGrpSpPr>
+          <p:cNvPr id="8" name="Plugin Hastus 1">
+            <a:extLst>
+              <a:ext uri="{FF2B5EF4-FFF2-40B4-BE49-F238E27FC236}">
+                <a16:creationId xmlns:a16="http://schemas.microsoft.com/office/drawing/2014/main" id="{8D7371DE-D29A-4D53-A0D5-B90905468832}"/>
+              </a:ext>
+            </a:extLst>
+          </p:cNvPr>
+          <p:cNvGrpSpPr/>
+          <p:nvPr/>
+        </p:nvGrpSpPr>
+        <p:grpSpPr>
+          <a:xfrm>
+            <a:off x="1020656" y="2508461"/>
+            <a:ext cx="1585520" cy="2211923"/>
+            <a:chOff x="1020656" y="2508461"/>
+            <a:chExt cx="1585520" cy="2211923"/>
+          </a:xfrm>
+        </p:grpSpPr>
+        <p:sp>
+          <p:nvSpPr>
+            <p:cNvPr id="51" name="Rectangle 50">
+              <a:extLst>
+                <a:ext uri="{FF2B5EF4-FFF2-40B4-BE49-F238E27FC236}">
+                  <a16:creationId xmlns:a16="http://schemas.microsoft.com/office/drawing/2014/main" id="{9FAD5650-25E8-4D09-9AD3-96FABE88174B}"/>
+                </a:ext>
+              </a:extLst>
+            </p:cNvPr>
+            <p:cNvSpPr/>
+            <p:nvPr/>
+          </p:nvSpPr>
+          <p:spPr>
+            <a:xfrm>
+              <a:off x="1341216" y="2508462"/>
+              <a:ext cx="1264960" cy="2211922"/>
+            </a:xfrm>
+            <a:prstGeom prst="rect">
+              <a:avLst/>
+            </a:prstGeom>
+          </p:spPr>
+          <p:style>
+            <a:lnRef idx="1">
+              <a:schemeClr val="accent1"/>
+            </a:lnRef>
+            <a:fillRef idx="2">
+              <a:schemeClr val="accent1"/>
+            </a:fillRef>
+            <a:effectRef idx="1">
+              <a:schemeClr val="accent1"/>
+            </a:effectRef>
+            <a:fontRef idx="minor">
+              <a:schemeClr val="dk1"/>
+            </a:fontRef>
+          </p:style>
+          <p:txBody>
+            <a:bodyPr rtlCol="0" anchor="ctr"/>
+            <a:lstStyle/>
+            <a:p>
+              <a:pPr algn="ctr"/>
+              <a:endParaRPr lang="fr-CA" dirty="0"/>
+            </a:p>
+          </p:txBody>
+        </p:sp>
+        <p:sp>
+          <p:nvSpPr>
+            <p:cNvPr id="52" name="Rectangle 51">
+              <a:extLst>
+                <a:ext uri="{FF2B5EF4-FFF2-40B4-BE49-F238E27FC236}">
+                  <a16:creationId xmlns:a16="http://schemas.microsoft.com/office/drawing/2014/main" id="{785A746D-3158-4E02-942E-81A6B40FBC84}"/>
+                </a:ext>
+              </a:extLst>
+            </p:cNvPr>
+            <p:cNvSpPr/>
+            <p:nvPr/>
+          </p:nvSpPr>
+          <p:spPr>
+            <a:xfrm rot="16200000">
+              <a:off x="74974" y="3454143"/>
+              <a:ext cx="2211923" cy="320560"/>
+            </a:xfrm>
+            <a:prstGeom prst="rect">
+              <a:avLst/>
+            </a:prstGeom>
+          </p:spPr>
+          <p:style>
+            <a:lnRef idx="2">
+              <a:schemeClr val="accent1">
+                <a:shade val="50000"/>
+              </a:schemeClr>
+            </a:lnRef>
+            <a:fillRef idx="1">
+              <a:schemeClr val="accent1"/>
+            </a:fillRef>
+            <a:effectRef idx="0">
+              <a:schemeClr val="accent1"/>
+            </a:effectRef>
+            <a:fontRef idx="minor">
+              <a:schemeClr val="lt1"/>
+            </a:fontRef>
+          </p:style>
+          <p:txBody>
+            <a:bodyPr rtlCol="0" anchor="ctr"/>
+            <a:lstStyle/>
+            <a:p>
+              <a:pPr algn="ctr"/>
+              <a:r>
+                <a:rPr lang="fr-CA" dirty="0"/>
+                <a:t>Plugin </a:t>
+              </a:r>
+              <a:r>
+                <a:rPr lang="fr-CA" dirty="0" err="1"/>
+                <a:t>Hastus</a:t>
+              </a:r>
+              <a:endParaRPr lang="fr-CA" dirty="0"/>
+            </a:p>
+          </p:txBody>
+        </p:sp>
+        <p:sp>
+          <p:nvSpPr>
+            <p:cNvPr id="53" name="Flèche : double flèche verticale 52">
+              <a:extLst>
+                <a:ext uri="{FF2B5EF4-FFF2-40B4-BE49-F238E27FC236}">
+                  <a16:creationId xmlns:a16="http://schemas.microsoft.com/office/drawing/2014/main" id="{7CCA22AB-E6A8-4572-9E59-5270FA45CC71}"/>
+                </a:ext>
+              </a:extLst>
+            </p:cNvPr>
+            <p:cNvSpPr/>
+            <p:nvPr/>
+          </p:nvSpPr>
+          <p:spPr>
+            <a:xfrm>
+              <a:off x="1409379" y="3980723"/>
+              <a:ext cx="1118010" cy="694762"/>
+            </a:xfrm>
+            <a:prstGeom prst="upDownArrow">
+              <a:avLst>
+                <a:gd name="adj1" fmla="val 67620"/>
+                <a:gd name="adj2" fmla="val 36568"/>
+              </a:avLst>
+            </a:prstGeom>
+          </p:spPr>
+          <p:style>
+            <a:lnRef idx="2">
+              <a:schemeClr val="accent1">
+                <a:shade val="50000"/>
+              </a:schemeClr>
+            </a:lnRef>
+            <a:fillRef idx="1">
+              <a:schemeClr val="accent1"/>
+            </a:fillRef>
+            <a:effectRef idx="0">
+              <a:schemeClr val="accent1"/>
+            </a:effectRef>
+            <a:fontRef idx="minor">
+              <a:schemeClr val="lt1"/>
+            </a:fontRef>
+          </p:style>
+          <p:txBody>
+            <a:bodyPr rtlCol="0" anchor="ctr"/>
+            <a:lstStyle/>
+            <a:p>
+              <a:pPr algn="ctr"/>
+              <a:r>
+                <a:rPr lang="fr-CA" sz="1400" dirty="0"/>
+                <a:t>I/O</a:t>
+              </a:r>
+            </a:p>
+          </p:txBody>
+        </p:sp>
+        <p:sp>
+          <p:nvSpPr>
+            <p:cNvPr id="54" name="Rectangle : coins arrondis 53">
+              <a:extLst>
+                <a:ext uri="{FF2B5EF4-FFF2-40B4-BE49-F238E27FC236}">
+                  <a16:creationId xmlns:a16="http://schemas.microsoft.com/office/drawing/2014/main" id="{966C5867-CFF6-4448-A78B-8846DEDCF7E7}"/>
+                </a:ext>
+              </a:extLst>
+            </p:cNvPr>
+            <p:cNvSpPr/>
+            <p:nvPr/>
+          </p:nvSpPr>
+          <p:spPr>
+            <a:xfrm>
+              <a:off x="1409378" y="3376524"/>
+              <a:ext cx="1118010" cy="536895"/>
+            </a:xfrm>
+            <a:prstGeom prst="roundRect">
+              <a:avLst/>
+            </a:prstGeom>
+          </p:spPr>
+          <p:style>
+            <a:lnRef idx="2">
+              <a:schemeClr val="accent1">
+                <a:shade val="50000"/>
+              </a:schemeClr>
+            </a:lnRef>
+            <a:fillRef idx="1">
+              <a:schemeClr val="accent1"/>
+            </a:fillRef>
+            <a:effectRef idx="0">
+              <a:schemeClr val="accent1"/>
+            </a:effectRef>
+            <a:fontRef idx="minor">
+              <a:schemeClr val="lt1"/>
+            </a:fontRef>
+          </p:style>
+          <p:txBody>
+            <a:bodyPr rtlCol="0" anchor="ctr"/>
+            <a:lstStyle/>
+            <a:p>
+              <a:pPr algn="ctr"/>
+              <a:r>
+                <a:rPr lang="fr-CA" sz="1400" dirty="0"/>
+                <a:t>Entités</a:t>
+              </a:r>
+            </a:p>
+          </p:txBody>
+        </p:sp>
+        <p:sp>
+          <p:nvSpPr>
+            <p:cNvPr id="55" name="Flèche : double flèche verticale 54">
+              <a:extLst>
+                <a:ext uri="{FF2B5EF4-FFF2-40B4-BE49-F238E27FC236}">
+                  <a16:creationId xmlns:a16="http://schemas.microsoft.com/office/drawing/2014/main" id="{E6B2D431-8698-4C34-A026-835ABCE0544D}"/>
+                </a:ext>
+              </a:extLst>
+            </p:cNvPr>
+            <p:cNvSpPr/>
+            <p:nvPr/>
+          </p:nvSpPr>
+          <p:spPr>
+            <a:xfrm>
+              <a:off x="1409378" y="2586006"/>
+              <a:ext cx="1118010" cy="694762"/>
+            </a:xfrm>
+            <a:prstGeom prst="upDownArrow">
+              <a:avLst>
+                <a:gd name="adj1" fmla="val 67620"/>
+                <a:gd name="adj2" fmla="val 36568"/>
+              </a:avLst>
+            </a:prstGeom>
+          </p:spPr>
+          <p:style>
+            <a:lnRef idx="2">
+              <a:schemeClr val="accent1">
+                <a:shade val="50000"/>
+              </a:schemeClr>
+            </a:lnRef>
+            <a:fillRef idx="1">
+              <a:schemeClr val="accent1"/>
+            </a:fillRef>
+            <a:effectRef idx="0">
+              <a:schemeClr val="accent1"/>
+            </a:effectRef>
+            <a:fontRef idx="minor">
+              <a:schemeClr val="lt1"/>
+            </a:fontRef>
+          </p:style>
+          <p:txBody>
+            <a:bodyPr rtlCol="0" anchor="ctr"/>
+            <a:lstStyle/>
+            <a:p>
+              <a:pPr algn="ctr"/>
+              <a:r>
+                <a:rPr lang="fr-CA" sz="1400" dirty="0" err="1"/>
+                <a:t>Transco</a:t>
+              </a:r>
+              <a:endParaRPr lang="fr-CA" sz="1400" dirty="0"/>
+            </a:p>
+          </p:txBody>
+        </p:sp>
+      </p:grpSp>
+      <p:grpSp>
+        <p:nvGrpSpPr>
+          <p:cNvPr id="56" name="Groupe 55">
+            <a:extLst>
+              <a:ext uri="{FF2B5EF4-FFF2-40B4-BE49-F238E27FC236}">
+                <a16:creationId xmlns:a16="http://schemas.microsoft.com/office/drawing/2014/main" id="{36F96E84-4048-4B2C-B90D-44A372946B1C}"/>
+              </a:ext>
+            </a:extLst>
+          </p:cNvPr>
+          <p:cNvGrpSpPr/>
+          <p:nvPr/>
+        </p:nvGrpSpPr>
+        <p:grpSpPr>
+          <a:xfrm>
+            <a:off x="6155507" y="2508461"/>
+            <a:ext cx="1585520" cy="2211923"/>
+            <a:chOff x="3481430" y="2677519"/>
+            <a:chExt cx="1585520" cy="2211923"/>
+          </a:xfrm>
+        </p:grpSpPr>
+        <p:sp>
+          <p:nvSpPr>
+            <p:cNvPr id="57" name="Rectangle 56">
+              <a:extLst>
+                <a:ext uri="{FF2B5EF4-FFF2-40B4-BE49-F238E27FC236}">
+                  <a16:creationId xmlns:a16="http://schemas.microsoft.com/office/drawing/2014/main" id="{569401BA-C915-4EB5-AE67-3A8ABE7ADC6F}"/>
+                </a:ext>
+              </a:extLst>
+            </p:cNvPr>
+            <p:cNvSpPr/>
+            <p:nvPr/>
+          </p:nvSpPr>
+          <p:spPr>
+            <a:xfrm>
+              <a:off x="3801990" y="2677520"/>
+              <a:ext cx="1264960" cy="2211922"/>
+            </a:xfrm>
+            <a:prstGeom prst="rect">
+              <a:avLst/>
+            </a:prstGeom>
+          </p:spPr>
+          <p:style>
+            <a:lnRef idx="1">
+              <a:schemeClr val="accent1"/>
+            </a:lnRef>
+            <a:fillRef idx="2">
+              <a:schemeClr val="accent1"/>
+            </a:fillRef>
+            <a:effectRef idx="1">
+              <a:schemeClr val="accent1"/>
+            </a:effectRef>
+            <a:fontRef idx="minor">
+              <a:schemeClr val="dk1"/>
+            </a:fontRef>
+          </p:style>
+          <p:txBody>
+            <a:bodyPr rtlCol="0" anchor="ctr"/>
+            <a:lstStyle/>
+            <a:p>
+              <a:pPr algn="ctr"/>
+              <a:endParaRPr lang="fr-CA" dirty="0"/>
+            </a:p>
+          </p:txBody>
+        </p:sp>
+        <p:sp>
+          <p:nvSpPr>
+            <p:cNvPr id="58" name="Rectangle 57">
+              <a:extLst>
+                <a:ext uri="{FF2B5EF4-FFF2-40B4-BE49-F238E27FC236}">
+                  <a16:creationId xmlns:a16="http://schemas.microsoft.com/office/drawing/2014/main" id="{88319178-5184-4195-BF59-3A9F6A93FA71}"/>
+                </a:ext>
+              </a:extLst>
+            </p:cNvPr>
+            <p:cNvSpPr/>
+            <p:nvPr/>
+          </p:nvSpPr>
+          <p:spPr>
+            <a:xfrm rot="16200000">
+              <a:off x="2535748" y="3623201"/>
+              <a:ext cx="2211923" cy="320560"/>
+            </a:xfrm>
+            <a:prstGeom prst="rect">
+              <a:avLst/>
+            </a:prstGeom>
+          </p:spPr>
+          <p:style>
+            <a:lnRef idx="2">
+              <a:schemeClr val="accent1">
+                <a:shade val="50000"/>
+              </a:schemeClr>
+            </a:lnRef>
+            <a:fillRef idx="1">
+              <a:schemeClr val="accent1"/>
+            </a:fillRef>
+            <a:effectRef idx="0">
+              <a:schemeClr val="accent1"/>
+            </a:effectRef>
+            <a:fontRef idx="minor">
+              <a:schemeClr val="lt1"/>
+            </a:fontRef>
+          </p:style>
+          <p:txBody>
+            <a:bodyPr rtlCol="0" anchor="ctr"/>
+            <a:lstStyle/>
+            <a:p>
+              <a:pPr algn="ctr"/>
+              <a:r>
+                <a:rPr lang="fr-CA" dirty="0" err="1"/>
+                <a:t>External</a:t>
+              </a:r>
+              <a:r>
+                <a:rPr lang="fr-CA" dirty="0"/>
+                <a:t> Plugin 2</a:t>
+              </a:r>
+            </a:p>
+          </p:txBody>
+        </p:sp>
+        <p:sp>
+          <p:nvSpPr>
+            <p:cNvPr id="59" name="Flèche : double flèche verticale 58">
+              <a:extLst>
+                <a:ext uri="{FF2B5EF4-FFF2-40B4-BE49-F238E27FC236}">
+                  <a16:creationId xmlns:a16="http://schemas.microsoft.com/office/drawing/2014/main" id="{EA87876B-5B0B-4C06-8998-6AF26F4089A9}"/>
+                </a:ext>
+              </a:extLst>
+            </p:cNvPr>
+            <p:cNvSpPr/>
+            <p:nvPr/>
+          </p:nvSpPr>
+          <p:spPr>
+            <a:xfrm>
+              <a:off x="3870153" y="4149781"/>
+              <a:ext cx="1118010" cy="694762"/>
+            </a:xfrm>
+            <a:prstGeom prst="upDownArrow">
+              <a:avLst>
+                <a:gd name="adj1" fmla="val 67620"/>
+                <a:gd name="adj2" fmla="val 36568"/>
+              </a:avLst>
+            </a:prstGeom>
+          </p:spPr>
+          <p:style>
+            <a:lnRef idx="2">
+              <a:schemeClr val="accent1">
+                <a:shade val="50000"/>
+              </a:schemeClr>
+            </a:lnRef>
+            <a:fillRef idx="1">
+              <a:schemeClr val="accent1"/>
+            </a:fillRef>
+            <a:effectRef idx="0">
+              <a:schemeClr val="accent1"/>
+            </a:effectRef>
+            <a:fontRef idx="minor">
+              <a:schemeClr val="lt1"/>
+            </a:fontRef>
+          </p:style>
+          <p:txBody>
+            <a:bodyPr rtlCol="0" anchor="ctr"/>
+            <a:lstStyle/>
+            <a:p>
+              <a:pPr algn="ctr"/>
+              <a:r>
+                <a:rPr lang="fr-CA" sz="1400" dirty="0"/>
+                <a:t>I/O</a:t>
+              </a:r>
+            </a:p>
+          </p:txBody>
+        </p:sp>
+        <p:sp>
+          <p:nvSpPr>
+            <p:cNvPr id="60" name="Rectangle : coins arrondis 59">
+              <a:extLst>
+                <a:ext uri="{FF2B5EF4-FFF2-40B4-BE49-F238E27FC236}">
+                  <a16:creationId xmlns:a16="http://schemas.microsoft.com/office/drawing/2014/main" id="{89274EA4-DC92-4DE0-B3E2-D81D13E6844D}"/>
+                </a:ext>
+              </a:extLst>
+            </p:cNvPr>
+            <p:cNvSpPr/>
+            <p:nvPr/>
+          </p:nvSpPr>
+          <p:spPr>
+            <a:xfrm>
+              <a:off x="3870152" y="3545582"/>
+              <a:ext cx="1118010" cy="536895"/>
+            </a:xfrm>
+            <a:prstGeom prst="roundRect">
+              <a:avLst/>
+            </a:prstGeom>
+          </p:spPr>
+          <p:style>
+            <a:lnRef idx="2">
+              <a:schemeClr val="accent1">
+                <a:shade val="50000"/>
+              </a:schemeClr>
+            </a:lnRef>
+            <a:fillRef idx="1">
+              <a:schemeClr val="accent1"/>
+            </a:fillRef>
+            <a:effectRef idx="0">
+              <a:schemeClr val="accent1"/>
+            </a:effectRef>
+            <a:fontRef idx="minor">
+              <a:schemeClr val="lt1"/>
+            </a:fontRef>
+          </p:style>
+          <p:txBody>
+            <a:bodyPr rtlCol="0" anchor="ctr"/>
+            <a:lstStyle/>
+            <a:p>
+              <a:pPr algn="ctr"/>
+              <a:r>
+                <a:rPr lang="fr-CA" sz="1400" dirty="0" err="1"/>
+                <a:t>Entities</a:t>
+              </a:r>
+              <a:endParaRPr lang="fr-CA" sz="1400" dirty="0"/>
+            </a:p>
+          </p:txBody>
+        </p:sp>
+        <p:sp>
+          <p:nvSpPr>
+            <p:cNvPr id="61" name="Flèche : double flèche verticale 60">
+              <a:extLst>
+                <a:ext uri="{FF2B5EF4-FFF2-40B4-BE49-F238E27FC236}">
+                  <a16:creationId xmlns:a16="http://schemas.microsoft.com/office/drawing/2014/main" id="{58E4604B-D159-4AA3-A372-1CE15B6CD60E}"/>
+                </a:ext>
+              </a:extLst>
+            </p:cNvPr>
+            <p:cNvSpPr/>
+            <p:nvPr/>
+          </p:nvSpPr>
+          <p:spPr>
+            <a:xfrm>
+              <a:off x="3870152" y="2755064"/>
+              <a:ext cx="1118010" cy="694762"/>
+            </a:xfrm>
+            <a:prstGeom prst="upDownArrow">
+              <a:avLst>
+                <a:gd name="adj1" fmla="val 67620"/>
+                <a:gd name="adj2" fmla="val 36568"/>
+              </a:avLst>
+            </a:prstGeom>
+          </p:spPr>
+          <p:style>
+            <a:lnRef idx="2">
+              <a:schemeClr val="accent1">
+                <a:shade val="50000"/>
+              </a:schemeClr>
+            </a:lnRef>
+            <a:fillRef idx="1">
+              <a:schemeClr val="accent1"/>
+            </a:fillRef>
+            <a:effectRef idx="0">
+              <a:schemeClr val="accent1"/>
+            </a:effectRef>
+            <a:fontRef idx="minor">
+              <a:schemeClr val="lt1"/>
+            </a:fontRef>
+          </p:style>
+          <p:txBody>
+            <a:bodyPr rtlCol="0" anchor="ctr"/>
+            <a:lstStyle/>
+            <a:p>
+              <a:pPr algn="ctr"/>
+              <a:r>
+                <a:rPr lang="fr-CA" sz="1400" dirty="0" err="1"/>
+                <a:t>Transco</a:t>
+              </a:r>
+              <a:endParaRPr lang="fr-CA" sz="1400" dirty="0"/>
+            </a:p>
+          </p:txBody>
+        </p:sp>
+      </p:grpSp>
+      <p:grpSp>
+        <p:nvGrpSpPr>
+          <p:cNvPr id="62" name="Groupe 61">
+            <a:extLst>
+              <a:ext uri="{FF2B5EF4-FFF2-40B4-BE49-F238E27FC236}">
+                <a16:creationId xmlns:a16="http://schemas.microsoft.com/office/drawing/2014/main" id="{35695B52-00DB-4D8C-8463-D4F93F3C8870}"/>
+              </a:ext>
+            </a:extLst>
+          </p:cNvPr>
+          <p:cNvGrpSpPr/>
+          <p:nvPr/>
+        </p:nvGrpSpPr>
+        <p:grpSpPr>
+          <a:xfrm>
+            <a:off x="7867124" y="2508461"/>
+            <a:ext cx="1585520" cy="2211923"/>
+            <a:chOff x="3481430" y="2677519"/>
+            <a:chExt cx="1585520" cy="2211923"/>
+          </a:xfrm>
+        </p:grpSpPr>
+        <p:sp>
+          <p:nvSpPr>
+            <p:cNvPr id="63" name="Rectangle 62">
+              <a:extLst>
+                <a:ext uri="{FF2B5EF4-FFF2-40B4-BE49-F238E27FC236}">
+                  <a16:creationId xmlns:a16="http://schemas.microsoft.com/office/drawing/2014/main" id="{25535CA3-4141-4120-B477-0CA6EB930951}"/>
+                </a:ext>
+              </a:extLst>
+            </p:cNvPr>
+            <p:cNvSpPr/>
+            <p:nvPr/>
+          </p:nvSpPr>
+          <p:spPr>
+            <a:xfrm>
+              <a:off x="3801990" y="2677520"/>
+              <a:ext cx="1264960" cy="2211922"/>
+            </a:xfrm>
+            <a:prstGeom prst="rect">
+              <a:avLst/>
+            </a:prstGeom>
+          </p:spPr>
+          <p:style>
+            <a:lnRef idx="1">
+              <a:schemeClr val="accent1"/>
+            </a:lnRef>
+            <a:fillRef idx="2">
+              <a:schemeClr val="accent1"/>
+            </a:fillRef>
+            <a:effectRef idx="1">
+              <a:schemeClr val="accent1"/>
+            </a:effectRef>
+            <a:fontRef idx="minor">
+              <a:schemeClr val="dk1"/>
+            </a:fontRef>
+          </p:style>
+          <p:txBody>
+            <a:bodyPr rtlCol="0" anchor="ctr"/>
+            <a:lstStyle/>
+            <a:p>
+              <a:pPr algn="ctr"/>
+              <a:endParaRPr lang="fr-CA" dirty="0"/>
+            </a:p>
+          </p:txBody>
+        </p:sp>
+        <p:sp>
+          <p:nvSpPr>
+            <p:cNvPr id="64" name="Rectangle 63">
+              <a:extLst>
+                <a:ext uri="{FF2B5EF4-FFF2-40B4-BE49-F238E27FC236}">
+                  <a16:creationId xmlns:a16="http://schemas.microsoft.com/office/drawing/2014/main" id="{955FD261-5D23-4D57-B9E4-D976834DBD15}"/>
+                </a:ext>
+              </a:extLst>
+            </p:cNvPr>
+            <p:cNvSpPr/>
+            <p:nvPr/>
+          </p:nvSpPr>
+          <p:spPr>
+            <a:xfrm rot="16200000">
+              <a:off x="2535748" y="3623201"/>
+              <a:ext cx="2211923" cy="320560"/>
+            </a:xfrm>
+            <a:prstGeom prst="rect">
+              <a:avLst/>
+            </a:prstGeom>
+          </p:spPr>
+          <p:style>
+            <a:lnRef idx="2">
+              <a:schemeClr val="accent1">
+                <a:shade val="50000"/>
+              </a:schemeClr>
+            </a:lnRef>
+            <a:fillRef idx="1">
+              <a:schemeClr val="accent1"/>
+            </a:fillRef>
+            <a:effectRef idx="0">
+              <a:schemeClr val="accent1"/>
+            </a:effectRef>
+            <a:fontRef idx="minor">
+              <a:schemeClr val="lt1"/>
+            </a:fontRef>
+          </p:style>
+          <p:txBody>
+            <a:bodyPr rtlCol="0" anchor="ctr"/>
+            <a:lstStyle/>
+            <a:p>
+              <a:pPr algn="ctr"/>
+              <a:r>
+                <a:rPr lang="fr-CA" dirty="0" err="1"/>
+                <a:t>External</a:t>
+              </a:r>
+              <a:r>
+                <a:rPr lang="fr-CA" dirty="0"/>
+                <a:t> Plugin 3</a:t>
+              </a:r>
+            </a:p>
+          </p:txBody>
+        </p:sp>
+        <p:sp>
+          <p:nvSpPr>
+            <p:cNvPr id="65" name="Flèche : double flèche verticale 64">
+              <a:extLst>
+                <a:ext uri="{FF2B5EF4-FFF2-40B4-BE49-F238E27FC236}">
+                  <a16:creationId xmlns:a16="http://schemas.microsoft.com/office/drawing/2014/main" id="{0067357B-5961-4B82-AAC6-D761CAD3261A}"/>
+                </a:ext>
+              </a:extLst>
+            </p:cNvPr>
+            <p:cNvSpPr/>
+            <p:nvPr/>
+          </p:nvSpPr>
+          <p:spPr>
+            <a:xfrm>
+              <a:off x="3870153" y="4149781"/>
+              <a:ext cx="1118010" cy="694762"/>
+            </a:xfrm>
+            <a:prstGeom prst="upDownArrow">
+              <a:avLst>
+                <a:gd name="adj1" fmla="val 67620"/>
+                <a:gd name="adj2" fmla="val 36568"/>
+              </a:avLst>
+            </a:prstGeom>
+          </p:spPr>
+          <p:style>
+            <a:lnRef idx="2">
+              <a:schemeClr val="accent1">
+                <a:shade val="50000"/>
+              </a:schemeClr>
+            </a:lnRef>
+            <a:fillRef idx="1">
+              <a:schemeClr val="accent1"/>
+            </a:fillRef>
+            <a:effectRef idx="0">
+              <a:schemeClr val="accent1"/>
+            </a:effectRef>
+            <a:fontRef idx="minor">
+              <a:schemeClr val="lt1"/>
+            </a:fontRef>
+          </p:style>
+          <p:txBody>
+            <a:bodyPr rtlCol="0" anchor="ctr"/>
+            <a:lstStyle/>
+            <a:p>
+              <a:pPr algn="ctr"/>
+              <a:r>
+                <a:rPr lang="fr-CA" sz="1400" dirty="0"/>
+                <a:t>I/O</a:t>
+              </a:r>
+            </a:p>
+          </p:txBody>
+        </p:sp>
+        <p:sp>
+          <p:nvSpPr>
+            <p:cNvPr id="66" name="Rectangle : coins arrondis 65">
+              <a:extLst>
+                <a:ext uri="{FF2B5EF4-FFF2-40B4-BE49-F238E27FC236}">
+                  <a16:creationId xmlns:a16="http://schemas.microsoft.com/office/drawing/2014/main" id="{8A0BB26B-96C3-497D-9E24-98A7E7812483}"/>
+                </a:ext>
+              </a:extLst>
+            </p:cNvPr>
+            <p:cNvSpPr/>
+            <p:nvPr/>
+          </p:nvSpPr>
+          <p:spPr>
+            <a:xfrm>
+              <a:off x="3870152" y="3545582"/>
+              <a:ext cx="1118010" cy="536895"/>
+            </a:xfrm>
+            <a:prstGeom prst="roundRect">
+              <a:avLst/>
+            </a:prstGeom>
+          </p:spPr>
+          <p:style>
+            <a:lnRef idx="2">
+              <a:schemeClr val="accent1">
+                <a:shade val="50000"/>
+              </a:schemeClr>
+            </a:lnRef>
+            <a:fillRef idx="1">
+              <a:schemeClr val="accent1"/>
+            </a:fillRef>
+            <a:effectRef idx="0">
+              <a:schemeClr val="accent1"/>
+            </a:effectRef>
+            <a:fontRef idx="minor">
+              <a:schemeClr val="lt1"/>
+            </a:fontRef>
+          </p:style>
+          <p:txBody>
+            <a:bodyPr rtlCol="0" anchor="ctr"/>
+            <a:lstStyle/>
+            <a:p>
+              <a:pPr algn="ctr"/>
+              <a:r>
+                <a:rPr lang="fr-CA" sz="1400" dirty="0" err="1"/>
+                <a:t>Entities</a:t>
+              </a:r>
+              <a:endParaRPr lang="fr-CA" sz="1400" dirty="0"/>
+            </a:p>
+          </p:txBody>
+        </p:sp>
+        <p:sp>
+          <p:nvSpPr>
+            <p:cNvPr id="67" name="Flèche : double flèche verticale 66">
+              <a:extLst>
+                <a:ext uri="{FF2B5EF4-FFF2-40B4-BE49-F238E27FC236}">
+                  <a16:creationId xmlns:a16="http://schemas.microsoft.com/office/drawing/2014/main" id="{2DF55386-A164-4E69-AB85-6FE05561B8BE}"/>
+                </a:ext>
+              </a:extLst>
+            </p:cNvPr>
+            <p:cNvSpPr/>
+            <p:nvPr/>
+          </p:nvSpPr>
+          <p:spPr>
+            <a:xfrm>
+              <a:off x="3870152" y="2755064"/>
+              <a:ext cx="1118010" cy="694762"/>
+            </a:xfrm>
+            <a:prstGeom prst="upDownArrow">
+              <a:avLst>
+                <a:gd name="adj1" fmla="val 67620"/>
+                <a:gd name="adj2" fmla="val 36568"/>
+              </a:avLst>
+            </a:prstGeom>
+          </p:spPr>
+          <p:style>
+            <a:lnRef idx="2">
+              <a:schemeClr val="accent1">
+                <a:shade val="50000"/>
+              </a:schemeClr>
+            </a:lnRef>
+            <a:fillRef idx="1">
+              <a:schemeClr val="accent1"/>
+            </a:fillRef>
+            <a:effectRef idx="0">
+              <a:schemeClr val="accent1"/>
+            </a:effectRef>
+            <a:fontRef idx="minor">
+              <a:schemeClr val="lt1"/>
+            </a:fontRef>
+          </p:style>
+          <p:txBody>
+            <a:bodyPr rtlCol="0" anchor="ctr"/>
+            <a:lstStyle/>
+            <a:p>
+              <a:pPr algn="ctr"/>
+              <a:r>
+                <a:rPr lang="fr-CA" sz="1400" dirty="0" err="1"/>
+                <a:t>Transco</a:t>
+              </a:r>
+              <a:endParaRPr lang="fr-CA" sz="1400" dirty="0"/>
+            </a:p>
+          </p:txBody>
+        </p:sp>
+      </p:grpSp>
+      <p:sp>
+        <p:nvSpPr>
+          <p:cNvPr id="69" name="Organigramme : Disque magnétique 68">
+            <a:extLst>
+              <a:ext uri="{FF2B5EF4-FFF2-40B4-BE49-F238E27FC236}">
+                <a16:creationId xmlns:a16="http://schemas.microsoft.com/office/drawing/2014/main" id="{84FEBDC3-77DF-4BDE-BD07-D438C2D9D0AC}"/>
+              </a:ext>
+            </a:extLst>
+          </p:cNvPr>
+          <p:cNvSpPr/>
+          <p:nvPr/>
+        </p:nvSpPr>
+        <p:spPr>
+          <a:xfrm>
+            <a:off x="9580641" y="5678067"/>
+            <a:ext cx="1584000" cy="536895"/>
+          </a:xfrm>
+          <a:prstGeom prst="flowChartMagneticDisk">
+            <a:avLst/>
+          </a:prstGeom>
+        </p:spPr>
+        <p:style>
+          <a:lnRef idx="2">
+            <a:schemeClr val="accent1">
+              <a:shade val="50000"/>
+            </a:schemeClr>
+          </a:lnRef>
+          <a:fillRef idx="1">
+            <a:schemeClr val="accent1"/>
+          </a:fillRef>
+          <a:effectRef idx="0">
+            <a:schemeClr val="accent1"/>
+          </a:effectRef>
+          <a:fontRef idx="minor">
+            <a:schemeClr val="lt1"/>
+          </a:fontRef>
+        </p:style>
+        <p:txBody>
+          <a:bodyPr rtlCol="0" anchor="ctr"/>
+          <a:lstStyle/>
+          <a:p>
+            <a:pPr algn="ctr"/>
+            <a:r>
+              <a:rPr lang="fr-CA" dirty="0"/>
+              <a:t>System 4</a:t>
+            </a:r>
+          </a:p>
+        </p:txBody>
+      </p:sp>
+      <p:grpSp>
+        <p:nvGrpSpPr>
+          <p:cNvPr id="70" name="Groupe 69">
+            <a:extLst>
+              <a:ext uri="{FF2B5EF4-FFF2-40B4-BE49-F238E27FC236}">
+                <a16:creationId xmlns:a16="http://schemas.microsoft.com/office/drawing/2014/main" id="{21204D53-795C-463A-8FA4-6408C55DE3AF}"/>
+              </a:ext>
+            </a:extLst>
+          </p:cNvPr>
+          <p:cNvGrpSpPr/>
+          <p:nvPr/>
+        </p:nvGrpSpPr>
+        <p:grpSpPr>
+          <a:xfrm>
+            <a:off x="9579121" y="2508461"/>
+            <a:ext cx="1585520" cy="2211923"/>
+            <a:chOff x="3481430" y="2677519"/>
+            <a:chExt cx="1585520" cy="2211923"/>
+          </a:xfrm>
+        </p:grpSpPr>
+        <p:sp>
+          <p:nvSpPr>
+            <p:cNvPr id="71" name="Rectangle 70">
+              <a:extLst>
+                <a:ext uri="{FF2B5EF4-FFF2-40B4-BE49-F238E27FC236}">
+                  <a16:creationId xmlns:a16="http://schemas.microsoft.com/office/drawing/2014/main" id="{2714B731-E785-4DC7-A105-9D34AD1E929A}"/>
+                </a:ext>
+              </a:extLst>
+            </p:cNvPr>
+            <p:cNvSpPr/>
+            <p:nvPr/>
+          </p:nvSpPr>
+          <p:spPr>
+            <a:xfrm>
+              <a:off x="3801990" y="2677520"/>
+              <a:ext cx="1264960" cy="2211922"/>
+            </a:xfrm>
+            <a:prstGeom prst="rect">
+              <a:avLst/>
+            </a:prstGeom>
+          </p:spPr>
+          <p:style>
+            <a:lnRef idx="1">
+              <a:schemeClr val="accent1"/>
+            </a:lnRef>
+            <a:fillRef idx="2">
+              <a:schemeClr val="accent1"/>
+            </a:fillRef>
+            <a:effectRef idx="1">
+              <a:schemeClr val="accent1"/>
+            </a:effectRef>
+            <a:fontRef idx="minor">
+              <a:schemeClr val="dk1"/>
+            </a:fontRef>
+          </p:style>
+          <p:txBody>
+            <a:bodyPr rtlCol="0" anchor="ctr"/>
+            <a:lstStyle/>
+            <a:p>
+              <a:pPr algn="ctr"/>
+              <a:endParaRPr lang="fr-CA" dirty="0"/>
+            </a:p>
+          </p:txBody>
+        </p:sp>
+        <p:sp>
+          <p:nvSpPr>
+            <p:cNvPr id="72" name="Rectangle 71">
+              <a:extLst>
+                <a:ext uri="{FF2B5EF4-FFF2-40B4-BE49-F238E27FC236}">
+                  <a16:creationId xmlns:a16="http://schemas.microsoft.com/office/drawing/2014/main" id="{66DA4A4E-B2FA-438B-8F19-7BD6CE0375EF}"/>
+                </a:ext>
+              </a:extLst>
+            </p:cNvPr>
+            <p:cNvSpPr/>
+            <p:nvPr/>
+          </p:nvSpPr>
+          <p:spPr>
+            <a:xfrm rot="16200000">
+              <a:off x="2535748" y="3623201"/>
+              <a:ext cx="2211923" cy="320560"/>
+            </a:xfrm>
+            <a:prstGeom prst="rect">
+              <a:avLst/>
+            </a:prstGeom>
+          </p:spPr>
+          <p:style>
+            <a:lnRef idx="2">
+              <a:schemeClr val="accent1">
+                <a:shade val="50000"/>
+              </a:schemeClr>
+            </a:lnRef>
+            <a:fillRef idx="1">
+              <a:schemeClr val="accent1"/>
+            </a:fillRef>
+            <a:effectRef idx="0">
+              <a:schemeClr val="accent1"/>
+            </a:effectRef>
+            <a:fontRef idx="minor">
+              <a:schemeClr val="lt1"/>
+            </a:fontRef>
+          </p:style>
+          <p:txBody>
+            <a:bodyPr rtlCol="0" anchor="ctr"/>
+            <a:lstStyle/>
+            <a:p>
+              <a:pPr algn="ctr"/>
+              <a:r>
+                <a:rPr lang="fr-CA" dirty="0"/>
+                <a:t>Plugin …</a:t>
+              </a:r>
+            </a:p>
+          </p:txBody>
+        </p:sp>
+        <p:sp>
+          <p:nvSpPr>
+            <p:cNvPr id="73" name="Flèche : double flèche verticale 72">
+              <a:extLst>
+                <a:ext uri="{FF2B5EF4-FFF2-40B4-BE49-F238E27FC236}">
+                  <a16:creationId xmlns:a16="http://schemas.microsoft.com/office/drawing/2014/main" id="{A64CEFBA-F0DF-484E-8741-7E1948BE97D7}"/>
+                </a:ext>
+              </a:extLst>
+            </p:cNvPr>
+            <p:cNvSpPr/>
+            <p:nvPr/>
+          </p:nvSpPr>
+          <p:spPr>
+            <a:xfrm>
+              <a:off x="3870153" y="4149781"/>
+              <a:ext cx="1118010" cy="694762"/>
+            </a:xfrm>
+            <a:prstGeom prst="upDownArrow">
+              <a:avLst>
+                <a:gd name="adj1" fmla="val 67620"/>
+                <a:gd name="adj2" fmla="val 36568"/>
+              </a:avLst>
+            </a:prstGeom>
+          </p:spPr>
+          <p:style>
+            <a:lnRef idx="2">
+              <a:schemeClr val="accent1">
+                <a:shade val="50000"/>
+              </a:schemeClr>
+            </a:lnRef>
+            <a:fillRef idx="1">
+              <a:schemeClr val="accent1"/>
+            </a:fillRef>
+            <a:effectRef idx="0">
+              <a:schemeClr val="accent1"/>
+            </a:effectRef>
+            <a:fontRef idx="minor">
+              <a:schemeClr val="lt1"/>
+            </a:fontRef>
+          </p:style>
+          <p:txBody>
+            <a:bodyPr rtlCol="0" anchor="ctr"/>
+            <a:lstStyle/>
+            <a:p>
+              <a:pPr algn="ctr"/>
+              <a:r>
+                <a:rPr lang="fr-CA" sz="1400" dirty="0"/>
+                <a:t>I/O</a:t>
+              </a:r>
+            </a:p>
+          </p:txBody>
+        </p:sp>
+        <p:sp>
+          <p:nvSpPr>
+            <p:cNvPr id="74" name="Rectangle : coins arrondis 73">
+              <a:extLst>
+                <a:ext uri="{FF2B5EF4-FFF2-40B4-BE49-F238E27FC236}">
+                  <a16:creationId xmlns:a16="http://schemas.microsoft.com/office/drawing/2014/main" id="{3AD16D15-9A7A-4A96-9679-34CC20729587}"/>
+                </a:ext>
+              </a:extLst>
+            </p:cNvPr>
+            <p:cNvSpPr/>
+            <p:nvPr/>
+          </p:nvSpPr>
+          <p:spPr>
+            <a:xfrm>
+              <a:off x="3870152" y="3545582"/>
+              <a:ext cx="1118010" cy="536895"/>
+            </a:xfrm>
+            <a:prstGeom prst="roundRect">
+              <a:avLst/>
+            </a:prstGeom>
+          </p:spPr>
+          <p:style>
+            <a:lnRef idx="2">
+              <a:schemeClr val="accent1">
+                <a:shade val="50000"/>
+              </a:schemeClr>
+            </a:lnRef>
+            <a:fillRef idx="1">
+              <a:schemeClr val="accent1"/>
+            </a:fillRef>
+            <a:effectRef idx="0">
+              <a:schemeClr val="accent1"/>
+            </a:effectRef>
+            <a:fontRef idx="minor">
+              <a:schemeClr val="lt1"/>
+            </a:fontRef>
+          </p:style>
+          <p:txBody>
+            <a:bodyPr rtlCol="0" anchor="ctr"/>
+            <a:lstStyle/>
+            <a:p>
+              <a:pPr algn="ctr"/>
+              <a:r>
+                <a:rPr lang="fr-CA" sz="1400" dirty="0"/>
+                <a:t>Entités</a:t>
+              </a:r>
+            </a:p>
+          </p:txBody>
+        </p:sp>
+        <p:sp>
+          <p:nvSpPr>
+            <p:cNvPr id="75" name="Flèche : double flèche verticale 74">
+              <a:extLst>
+                <a:ext uri="{FF2B5EF4-FFF2-40B4-BE49-F238E27FC236}">
+                  <a16:creationId xmlns:a16="http://schemas.microsoft.com/office/drawing/2014/main" id="{4EE4C6B7-57F3-47B3-B7D2-EBA149A22B9C}"/>
+                </a:ext>
+              </a:extLst>
+            </p:cNvPr>
+            <p:cNvSpPr/>
+            <p:nvPr/>
+          </p:nvSpPr>
+          <p:spPr>
+            <a:xfrm>
+              <a:off x="3870152" y="2755064"/>
+              <a:ext cx="1118010" cy="694762"/>
+            </a:xfrm>
+            <a:prstGeom prst="upDownArrow">
+              <a:avLst>
+                <a:gd name="adj1" fmla="val 67620"/>
+                <a:gd name="adj2" fmla="val 36568"/>
+              </a:avLst>
+            </a:prstGeom>
+          </p:spPr>
+          <p:style>
+            <a:lnRef idx="2">
+              <a:schemeClr val="accent1">
+                <a:shade val="50000"/>
+              </a:schemeClr>
+            </a:lnRef>
+            <a:fillRef idx="1">
+              <a:schemeClr val="accent1"/>
+            </a:fillRef>
+            <a:effectRef idx="0">
+              <a:schemeClr val="accent1"/>
+            </a:effectRef>
+            <a:fontRef idx="minor">
+              <a:schemeClr val="lt1"/>
+            </a:fontRef>
+          </p:style>
+          <p:txBody>
+            <a:bodyPr rtlCol="0" anchor="ctr"/>
+            <a:lstStyle/>
+            <a:p>
+              <a:pPr algn="ctr"/>
+              <a:r>
+                <a:rPr lang="fr-CA" sz="1400" dirty="0" err="1"/>
+                <a:t>Transco</a:t>
+              </a:r>
+              <a:endParaRPr lang="fr-CA" sz="1400" dirty="0"/>
+            </a:p>
+          </p:txBody>
+        </p:sp>
+      </p:grpSp>
+      <p:grpSp>
+        <p:nvGrpSpPr>
+          <p:cNvPr id="78" name="Groupe 77">
+            <a:extLst>
+              <a:ext uri="{FF2B5EF4-FFF2-40B4-BE49-F238E27FC236}">
+                <a16:creationId xmlns:a16="http://schemas.microsoft.com/office/drawing/2014/main" id="{7B904E3D-EA81-4E55-BD48-4D628C726618}"/>
+              </a:ext>
+            </a:extLst>
+          </p:cNvPr>
+          <p:cNvGrpSpPr/>
+          <p:nvPr/>
+        </p:nvGrpSpPr>
+        <p:grpSpPr>
+          <a:xfrm>
+            <a:off x="9585825" y="2508460"/>
+            <a:ext cx="1585520" cy="2211923"/>
+            <a:chOff x="3481430" y="2677519"/>
+            <a:chExt cx="1585520" cy="2211923"/>
+          </a:xfrm>
+        </p:grpSpPr>
+        <p:sp>
+          <p:nvSpPr>
+            <p:cNvPr id="79" name="Rectangle 78">
+              <a:extLst>
+                <a:ext uri="{FF2B5EF4-FFF2-40B4-BE49-F238E27FC236}">
+                  <a16:creationId xmlns:a16="http://schemas.microsoft.com/office/drawing/2014/main" id="{6C425A5D-BD40-40B6-B486-FABE45C8B0F3}"/>
+                </a:ext>
+              </a:extLst>
+            </p:cNvPr>
+            <p:cNvSpPr/>
+            <p:nvPr/>
+          </p:nvSpPr>
+          <p:spPr>
+            <a:xfrm>
+              <a:off x="3801990" y="2677520"/>
+              <a:ext cx="1264960" cy="2211922"/>
+            </a:xfrm>
+            <a:prstGeom prst="rect">
+              <a:avLst/>
+            </a:prstGeom>
+          </p:spPr>
+          <p:style>
+            <a:lnRef idx="1">
+              <a:schemeClr val="accent1"/>
+            </a:lnRef>
+            <a:fillRef idx="2">
+              <a:schemeClr val="accent1"/>
+            </a:fillRef>
+            <a:effectRef idx="1">
+              <a:schemeClr val="accent1"/>
+            </a:effectRef>
+            <a:fontRef idx="minor">
+              <a:schemeClr val="dk1"/>
+            </a:fontRef>
+          </p:style>
+          <p:txBody>
+            <a:bodyPr rtlCol="0" anchor="ctr"/>
+            <a:lstStyle/>
+            <a:p>
+              <a:pPr algn="ctr"/>
+              <a:endParaRPr lang="fr-CA" dirty="0"/>
+            </a:p>
+          </p:txBody>
+        </p:sp>
+        <p:sp>
+          <p:nvSpPr>
+            <p:cNvPr id="80" name="Rectangle 79">
+              <a:extLst>
+                <a:ext uri="{FF2B5EF4-FFF2-40B4-BE49-F238E27FC236}">
+                  <a16:creationId xmlns:a16="http://schemas.microsoft.com/office/drawing/2014/main" id="{858F69EB-DE88-4042-8A5C-85E83386E033}"/>
+                </a:ext>
+              </a:extLst>
+            </p:cNvPr>
+            <p:cNvSpPr/>
+            <p:nvPr/>
+          </p:nvSpPr>
+          <p:spPr>
+            <a:xfrm rot="16200000">
+              <a:off x="2535748" y="3623201"/>
+              <a:ext cx="2211923" cy="320560"/>
+            </a:xfrm>
+            <a:prstGeom prst="rect">
+              <a:avLst/>
+            </a:prstGeom>
+          </p:spPr>
+          <p:style>
+            <a:lnRef idx="2">
+              <a:schemeClr val="accent1">
+                <a:shade val="50000"/>
+              </a:schemeClr>
+            </a:lnRef>
+            <a:fillRef idx="1">
+              <a:schemeClr val="accent1"/>
+            </a:fillRef>
+            <a:effectRef idx="0">
+              <a:schemeClr val="accent1"/>
+            </a:effectRef>
+            <a:fontRef idx="minor">
+              <a:schemeClr val="lt1"/>
+            </a:fontRef>
+          </p:style>
+          <p:txBody>
+            <a:bodyPr rtlCol="0" anchor="ctr"/>
+            <a:lstStyle/>
+            <a:p>
+              <a:pPr algn="ctr"/>
+              <a:r>
+                <a:rPr lang="fr-CA" dirty="0"/>
+                <a:t>Plugin GTFS ?</a:t>
+              </a:r>
+            </a:p>
+          </p:txBody>
+        </p:sp>
+        <p:sp>
+          <p:nvSpPr>
+            <p:cNvPr id="81" name="Flèche : double flèche verticale 80">
+              <a:extLst>
+                <a:ext uri="{FF2B5EF4-FFF2-40B4-BE49-F238E27FC236}">
+                  <a16:creationId xmlns:a16="http://schemas.microsoft.com/office/drawing/2014/main" id="{96C0F0D0-1A5F-4A3C-B46F-2A5A431755BB}"/>
+                </a:ext>
+              </a:extLst>
+            </p:cNvPr>
+            <p:cNvSpPr/>
+            <p:nvPr/>
+          </p:nvSpPr>
+          <p:spPr>
+            <a:xfrm>
+              <a:off x="3870153" y="4149781"/>
+              <a:ext cx="1118010" cy="694762"/>
+            </a:xfrm>
+            <a:prstGeom prst="upDownArrow">
+              <a:avLst>
+                <a:gd name="adj1" fmla="val 67620"/>
+                <a:gd name="adj2" fmla="val 36568"/>
+              </a:avLst>
+            </a:prstGeom>
+          </p:spPr>
+          <p:style>
+            <a:lnRef idx="2">
+              <a:schemeClr val="accent1">
+                <a:shade val="50000"/>
+              </a:schemeClr>
+            </a:lnRef>
+            <a:fillRef idx="1">
+              <a:schemeClr val="accent1"/>
+            </a:fillRef>
+            <a:effectRef idx="0">
+              <a:schemeClr val="accent1"/>
+            </a:effectRef>
+            <a:fontRef idx="minor">
+              <a:schemeClr val="lt1"/>
+            </a:fontRef>
+          </p:style>
+          <p:txBody>
+            <a:bodyPr rtlCol="0" anchor="ctr"/>
+            <a:lstStyle/>
+            <a:p>
+              <a:pPr algn="ctr"/>
+              <a:r>
+                <a:rPr lang="fr-CA" sz="1400" dirty="0"/>
+                <a:t>I/O</a:t>
+              </a:r>
+            </a:p>
+          </p:txBody>
+        </p:sp>
+        <p:sp>
+          <p:nvSpPr>
+            <p:cNvPr id="82" name="Rectangle : coins arrondis 81">
+              <a:extLst>
+                <a:ext uri="{FF2B5EF4-FFF2-40B4-BE49-F238E27FC236}">
+                  <a16:creationId xmlns:a16="http://schemas.microsoft.com/office/drawing/2014/main" id="{37D817F0-8DE7-47CC-BFDB-5200FA5418B2}"/>
+                </a:ext>
+              </a:extLst>
+            </p:cNvPr>
+            <p:cNvSpPr/>
+            <p:nvPr/>
+          </p:nvSpPr>
+          <p:spPr>
+            <a:xfrm>
+              <a:off x="3870152" y="3545582"/>
+              <a:ext cx="1118010" cy="536895"/>
+            </a:xfrm>
+            <a:prstGeom prst="roundRect">
+              <a:avLst/>
+            </a:prstGeom>
+          </p:spPr>
+          <p:style>
+            <a:lnRef idx="2">
+              <a:schemeClr val="accent1">
+                <a:shade val="50000"/>
+              </a:schemeClr>
+            </a:lnRef>
+            <a:fillRef idx="1">
+              <a:schemeClr val="accent1"/>
+            </a:fillRef>
+            <a:effectRef idx="0">
+              <a:schemeClr val="accent1"/>
+            </a:effectRef>
+            <a:fontRef idx="minor">
+              <a:schemeClr val="lt1"/>
+            </a:fontRef>
+          </p:style>
+          <p:txBody>
+            <a:bodyPr rtlCol="0" anchor="ctr"/>
+            <a:lstStyle/>
+            <a:p>
+              <a:pPr algn="ctr"/>
+              <a:r>
+                <a:rPr lang="fr-CA" sz="1400" dirty="0"/>
+                <a:t>Entités</a:t>
+              </a:r>
+            </a:p>
+          </p:txBody>
+        </p:sp>
+        <p:sp>
+          <p:nvSpPr>
+            <p:cNvPr id="83" name="Flèche : double flèche verticale 82">
+              <a:extLst>
+                <a:ext uri="{FF2B5EF4-FFF2-40B4-BE49-F238E27FC236}">
+                  <a16:creationId xmlns:a16="http://schemas.microsoft.com/office/drawing/2014/main" id="{F99B09C9-D542-48D8-BF56-23A72CE2D458}"/>
+                </a:ext>
+              </a:extLst>
+            </p:cNvPr>
+            <p:cNvSpPr/>
+            <p:nvPr/>
+          </p:nvSpPr>
+          <p:spPr>
+            <a:xfrm>
+              <a:off x="3870152" y="2755064"/>
+              <a:ext cx="1118010" cy="694762"/>
+            </a:xfrm>
+            <a:prstGeom prst="upDownArrow">
+              <a:avLst>
+                <a:gd name="adj1" fmla="val 67620"/>
+                <a:gd name="adj2" fmla="val 36568"/>
+              </a:avLst>
+            </a:prstGeom>
+          </p:spPr>
+          <p:style>
+            <a:lnRef idx="2">
+              <a:schemeClr val="accent1">
+                <a:shade val="50000"/>
+              </a:schemeClr>
+            </a:lnRef>
+            <a:fillRef idx="1">
+              <a:schemeClr val="accent1"/>
+            </a:fillRef>
+            <a:effectRef idx="0">
+              <a:schemeClr val="accent1"/>
+            </a:effectRef>
+            <a:fontRef idx="minor">
+              <a:schemeClr val="lt1"/>
+            </a:fontRef>
+          </p:style>
+          <p:txBody>
+            <a:bodyPr rtlCol="0" anchor="ctr"/>
+            <a:lstStyle/>
+            <a:p>
+              <a:pPr algn="ctr"/>
+              <a:r>
+                <a:rPr lang="fr-CA" sz="1400" dirty="0" err="1"/>
+                <a:t>Transco</a:t>
+              </a:r>
+              <a:endParaRPr lang="fr-CA" sz="1400" dirty="0"/>
+            </a:p>
+          </p:txBody>
+        </p:sp>
+      </p:grpSp>
+      <p:grpSp>
+        <p:nvGrpSpPr>
+          <p:cNvPr id="84" name="Groupe 83">
+            <a:extLst>
+              <a:ext uri="{FF2B5EF4-FFF2-40B4-BE49-F238E27FC236}">
+                <a16:creationId xmlns:a16="http://schemas.microsoft.com/office/drawing/2014/main" id="{2BBA3E6E-3936-4BA7-B721-84433E1DB02C}"/>
+              </a:ext>
+            </a:extLst>
+          </p:cNvPr>
+          <p:cNvGrpSpPr/>
+          <p:nvPr/>
+        </p:nvGrpSpPr>
+        <p:grpSpPr>
+          <a:xfrm>
+            <a:off x="9585825" y="2508460"/>
+            <a:ext cx="1585520" cy="2211923"/>
+            <a:chOff x="3481430" y="2677519"/>
+            <a:chExt cx="1585520" cy="2211923"/>
+          </a:xfrm>
+        </p:grpSpPr>
+        <p:sp>
+          <p:nvSpPr>
+            <p:cNvPr id="85" name="Rectangle 84">
+              <a:extLst>
+                <a:ext uri="{FF2B5EF4-FFF2-40B4-BE49-F238E27FC236}">
+                  <a16:creationId xmlns:a16="http://schemas.microsoft.com/office/drawing/2014/main" id="{5DBB0A8D-8F78-4F2A-8815-E21AE4D73499}"/>
+                </a:ext>
+              </a:extLst>
+            </p:cNvPr>
+            <p:cNvSpPr/>
+            <p:nvPr/>
+          </p:nvSpPr>
+          <p:spPr>
+            <a:xfrm>
+              <a:off x="3801990" y="2677520"/>
+              <a:ext cx="1264960" cy="2211922"/>
+            </a:xfrm>
+            <a:prstGeom prst="rect">
+              <a:avLst/>
+            </a:prstGeom>
+          </p:spPr>
+          <p:style>
+            <a:lnRef idx="1">
+              <a:schemeClr val="accent1"/>
+            </a:lnRef>
+            <a:fillRef idx="2">
+              <a:schemeClr val="accent1"/>
+            </a:fillRef>
+            <a:effectRef idx="1">
+              <a:schemeClr val="accent1"/>
+            </a:effectRef>
+            <a:fontRef idx="minor">
+              <a:schemeClr val="dk1"/>
+            </a:fontRef>
+          </p:style>
+          <p:txBody>
+            <a:bodyPr rtlCol="0" anchor="ctr"/>
+            <a:lstStyle/>
+            <a:p>
+              <a:pPr algn="ctr"/>
+              <a:endParaRPr lang="fr-CA" dirty="0"/>
+            </a:p>
+          </p:txBody>
+        </p:sp>
+        <p:sp>
+          <p:nvSpPr>
+            <p:cNvPr id="86" name="Rectangle 85">
+              <a:extLst>
+                <a:ext uri="{FF2B5EF4-FFF2-40B4-BE49-F238E27FC236}">
+                  <a16:creationId xmlns:a16="http://schemas.microsoft.com/office/drawing/2014/main" id="{C03AF9FF-8178-4080-B65C-A59B79509644}"/>
+                </a:ext>
+              </a:extLst>
+            </p:cNvPr>
+            <p:cNvSpPr/>
+            <p:nvPr/>
+          </p:nvSpPr>
+          <p:spPr>
+            <a:xfrm rot="16200000">
+              <a:off x="2535748" y="3623201"/>
+              <a:ext cx="2211923" cy="320560"/>
+            </a:xfrm>
+            <a:prstGeom prst="rect">
+              <a:avLst/>
+            </a:prstGeom>
+          </p:spPr>
+          <p:style>
+            <a:lnRef idx="2">
+              <a:schemeClr val="accent1">
+                <a:shade val="50000"/>
+              </a:schemeClr>
+            </a:lnRef>
+            <a:fillRef idx="1">
+              <a:schemeClr val="accent1"/>
+            </a:fillRef>
+            <a:effectRef idx="0">
+              <a:schemeClr val="accent1"/>
+            </a:effectRef>
+            <a:fontRef idx="minor">
+              <a:schemeClr val="lt1"/>
+            </a:fontRef>
+          </p:style>
+          <p:txBody>
+            <a:bodyPr rtlCol="0" anchor="ctr"/>
+            <a:lstStyle/>
+            <a:p>
+              <a:pPr algn="ctr"/>
+              <a:r>
+                <a:rPr lang="fr-CA" dirty="0"/>
+                <a:t>Plugin </a:t>
+              </a:r>
+              <a:r>
+                <a:rPr lang="fr-CA" dirty="0" err="1"/>
+                <a:t>RailML</a:t>
+              </a:r>
+              <a:r>
+                <a:rPr lang="fr-CA" dirty="0"/>
+                <a:t> ?</a:t>
+              </a:r>
+            </a:p>
+          </p:txBody>
+        </p:sp>
+        <p:sp>
+          <p:nvSpPr>
+            <p:cNvPr id="87" name="Flèche : double flèche verticale 86">
+              <a:extLst>
+                <a:ext uri="{FF2B5EF4-FFF2-40B4-BE49-F238E27FC236}">
+                  <a16:creationId xmlns:a16="http://schemas.microsoft.com/office/drawing/2014/main" id="{10D6CABE-BD0E-4B0E-921C-D55C97253437}"/>
+                </a:ext>
+              </a:extLst>
+            </p:cNvPr>
+            <p:cNvSpPr/>
+            <p:nvPr/>
+          </p:nvSpPr>
+          <p:spPr>
+            <a:xfrm>
+              <a:off x="3870153" y="4149781"/>
+              <a:ext cx="1118010" cy="694762"/>
+            </a:xfrm>
+            <a:prstGeom prst="upDownArrow">
+              <a:avLst>
+                <a:gd name="adj1" fmla="val 67620"/>
+                <a:gd name="adj2" fmla="val 36568"/>
+              </a:avLst>
+            </a:prstGeom>
+          </p:spPr>
+          <p:style>
+            <a:lnRef idx="2">
+              <a:schemeClr val="accent1">
+                <a:shade val="50000"/>
+              </a:schemeClr>
+            </a:lnRef>
+            <a:fillRef idx="1">
+              <a:schemeClr val="accent1"/>
+            </a:fillRef>
+            <a:effectRef idx="0">
+              <a:schemeClr val="accent1"/>
+            </a:effectRef>
+            <a:fontRef idx="minor">
+              <a:schemeClr val="lt1"/>
+            </a:fontRef>
+          </p:style>
+          <p:txBody>
+            <a:bodyPr rtlCol="0" anchor="ctr"/>
+            <a:lstStyle/>
+            <a:p>
+              <a:pPr algn="ctr"/>
+              <a:r>
+                <a:rPr lang="fr-CA" sz="1400" dirty="0"/>
+                <a:t>I/O</a:t>
+              </a:r>
+            </a:p>
+          </p:txBody>
+        </p:sp>
+        <p:sp>
+          <p:nvSpPr>
+            <p:cNvPr id="88" name="Rectangle : coins arrondis 87">
+              <a:extLst>
+                <a:ext uri="{FF2B5EF4-FFF2-40B4-BE49-F238E27FC236}">
+                  <a16:creationId xmlns:a16="http://schemas.microsoft.com/office/drawing/2014/main" id="{AEAE6078-804A-4672-BFAC-EC4720721EAA}"/>
+                </a:ext>
+              </a:extLst>
+            </p:cNvPr>
+            <p:cNvSpPr/>
+            <p:nvPr/>
+          </p:nvSpPr>
+          <p:spPr>
+            <a:xfrm>
+              <a:off x="3870152" y="3545582"/>
+              <a:ext cx="1118010" cy="536895"/>
+            </a:xfrm>
+            <a:prstGeom prst="roundRect">
+              <a:avLst/>
+            </a:prstGeom>
+          </p:spPr>
+          <p:style>
+            <a:lnRef idx="2">
+              <a:schemeClr val="accent1">
+                <a:shade val="50000"/>
+              </a:schemeClr>
+            </a:lnRef>
+            <a:fillRef idx="1">
+              <a:schemeClr val="accent1"/>
+            </a:fillRef>
+            <a:effectRef idx="0">
+              <a:schemeClr val="accent1"/>
+            </a:effectRef>
+            <a:fontRef idx="minor">
+              <a:schemeClr val="lt1"/>
+            </a:fontRef>
+          </p:style>
+          <p:txBody>
+            <a:bodyPr rtlCol="0" anchor="ctr"/>
+            <a:lstStyle/>
+            <a:p>
+              <a:pPr algn="ctr"/>
+              <a:r>
+                <a:rPr lang="fr-CA" sz="1400" dirty="0"/>
+                <a:t>Entités</a:t>
+              </a:r>
+            </a:p>
+          </p:txBody>
+        </p:sp>
+        <p:sp>
+          <p:nvSpPr>
+            <p:cNvPr id="89" name="Flèche : double flèche verticale 88">
+              <a:extLst>
+                <a:ext uri="{FF2B5EF4-FFF2-40B4-BE49-F238E27FC236}">
+                  <a16:creationId xmlns:a16="http://schemas.microsoft.com/office/drawing/2014/main" id="{39E01D81-B4F7-4EAE-A435-C722D6E333BF}"/>
+                </a:ext>
+              </a:extLst>
+            </p:cNvPr>
+            <p:cNvSpPr/>
+            <p:nvPr/>
+          </p:nvSpPr>
+          <p:spPr>
+            <a:xfrm>
+              <a:off x="3870152" y="2755064"/>
+              <a:ext cx="1118010" cy="694762"/>
+            </a:xfrm>
+            <a:prstGeom prst="upDownArrow">
+              <a:avLst>
+                <a:gd name="adj1" fmla="val 67620"/>
+                <a:gd name="adj2" fmla="val 36568"/>
+              </a:avLst>
+            </a:prstGeom>
+          </p:spPr>
+          <p:style>
+            <a:lnRef idx="2">
+              <a:schemeClr val="accent1">
+                <a:shade val="50000"/>
+              </a:schemeClr>
+            </a:lnRef>
+            <a:fillRef idx="1">
+              <a:schemeClr val="accent1"/>
+            </a:fillRef>
+            <a:effectRef idx="0">
+              <a:schemeClr val="accent1"/>
+            </a:effectRef>
+            <a:fontRef idx="minor">
+              <a:schemeClr val="lt1"/>
+            </a:fontRef>
+          </p:style>
+          <p:txBody>
+            <a:bodyPr rtlCol="0" anchor="ctr"/>
+            <a:lstStyle/>
+            <a:p>
+              <a:pPr algn="ctr"/>
+              <a:r>
+                <a:rPr lang="fr-CA" sz="1400" dirty="0" err="1"/>
+                <a:t>Transco</a:t>
+              </a:r>
+              <a:endParaRPr lang="fr-CA" sz="1400" dirty="0"/>
+            </a:p>
+          </p:txBody>
+        </p:sp>
+      </p:grpSp>
+      <p:grpSp>
+        <p:nvGrpSpPr>
+          <p:cNvPr id="90" name="Groupe 89">
+            <a:extLst>
+              <a:ext uri="{FF2B5EF4-FFF2-40B4-BE49-F238E27FC236}">
+                <a16:creationId xmlns:a16="http://schemas.microsoft.com/office/drawing/2014/main" id="{1E38BA30-90DC-4CEE-80C2-546B4B20C1F3}"/>
+              </a:ext>
+            </a:extLst>
+          </p:cNvPr>
+          <p:cNvGrpSpPr/>
+          <p:nvPr/>
+        </p:nvGrpSpPr>
+        <p:grpSpPr>
+          <a:xfrm>
+            <a:off x="9588560" y="2507664"/>
+            <a:ext cx="1585520" cy="2211923"/>
+            <a:chOff x="3481430" y="2677519"/>
+            <a:chExt cx="1585520" cy="2211923"/>
+          </a:xfrm>
+        </p:grpSpPr>
+        <p:sp>
+          <p:nvSpPr>
+            <p:cNvPr id="91" name="Rectangle 90">
+              <a:extLst>
+                <a:ext uri="{FF2B5EF4-FFF2-40B4-BE49-F238E27FC236}">
+                  <a16:creationId xmlns:a16="http://schemas.microsoft.com/office/drawing/2014/main" id="{74EA75B5-1D65-4131-9275-8D8303CC1DA9}"/>
+                </a:ext>
+              </a:extLst>
+            </p:cNvPr>
+            <p:cNvSpPr/>
+            <p:nvPr/>
+          </p:nvSpPr>
+          <p:spPr>
+            <a:xfrm>
+              <a:off x="3801990" y="2677520"/>
+              <a:ext cx="1264960" cy="2211922"/>
+            </a:xfrm>
+            <a:prstGeom prst="rect">
+              <a:avLst/>
+            </a:prstGeom>
+          </p:spPr>
+          <p:style>
+            <a:lnRef idx="1">
+              <a:schemeClr val="accent1"/>
+            </a:lnRef>
+            <a:fillRef idx="2">
+              <a:schemeClr val="accent1"/>
+            </a:fillRef>
+            <a:effectRef idx="1">
+              <a:schemeClr val="accent1"/>
+            </a:effectRef>
+            <a:fontRef idx="minor">
+              <a:schemeClr val="dk1"/>
+            </a:fontRef>
+          </p:style>
+          <p:txBody>
+            <a:bodyPr rtlCol="0" anchor="ctr"/>
+            <a:lstStyle/>
+            <a:p>
+              <a:pPr algn="ctr"/>
+              <a:endParaRPr lang="fr-CA" dirty="0"/>
+            </a:p>
+          </p:txBody>
+        </p:sp>
+        <p:sp>
+          <p:nvSpPr>
+            <p:cNvPr id="92" name="Rectangle 91">
+              <a:extLst>
+                <a:ext uri="{FF2B5EF4-FFF2-40B4-BE49-F238E27FC236}">
+                  <a16:creationId xmlns:a16="http://schemas.microsoft.com/office/drawing/2014/main" id="{E024A15E-94A6-466C-B6EF-15BAE9E5FD74}"/>
+                </a:ext>
+              </a:extLst>
+            </p:cNvPr>
+            <p:cNvSpPr/>
+            <p:nvPr/>
+          </p:nvSpPr>
+          <p:spPr>
+            <a:xfrm rot="16200000">
+              <a:off x="2535748" y="3623201"/>
+              <a:ext cx="2211923" cy="320560"/>
+            </a:xfrm>
+            <a:prstGeom prst="rect">
+              <a:avLst/>
+            </a:prstGeom>
+          </p:spPr>
+          <p:style>
+            <a:lnRef idx="2">
+              <a:schemeClr val="accent1">
+                <a:shade val="50000"/>
+              </a:schemeClr>
+            </a:lnRef>
+            <a:fillRef idx="1">
+              <a:schemeClr val="accent1"/>
+            </a:fillRef>
+            <a:effectRef idx="0">
+              <a:schemeClr val="accent1"/>
+            </a:effectRef>
+            <a:fontRef idx="minor">
+              <a:schemeClr val="lt1"/>
+            </a:fontRef>
+          </p:style>
+          <p:txBody>
+            <a:bodyPr rtlCol="0" anchor="ctr"/>
+            <a:lstStyle/>
+            <a:p>
+              <a:pPr algn="ctr"/>
+              <a:r>
+                <a:rPr lang="fr-CA" dirty="0"/>
+                <a:t>Plugin RATP ?</a:t>
+              </a:r>
+            </a:p>
+          </p:txBody>
+        </p:sp>
+        <p:sp>
+          <p:nvSpPr>
+            <p:cNvPr id="93" name="Flèche : double flèche verticale 92">
+              <a:extLst>
+                <a:ext uri="{FF2B5EF4-FFF2-40B4-BE49-F238E27FC236}">
+                  <a16:creationId xmlns:a16="http://schemas.microsoft.com/office/drawing/2014/main" id="{4C61BA00-99CE-4A11-9A97-DC4567E01F66}"/>
+                </a:ext>
+              </a:extLst>
+            </p:cNvPr>
+            <p:cNvSpPr/>
+            <p:nvPr/>
+          </p:nvSpPr>
+          <p:spPr>
+            <a:xfrm>
+              <a:off x="3870153" y="4149781"/>
+              <a:ext cx="1118010" cy="694762"/>
+            </a:xfrm>
+            <a:prstGeom prst="upDownArrow">
+              <a:avLst>
+                <a:gd name="adj1" fmla="val 67620"/>
+                <a:gd name="adj2" fmla="val 36568"/>
+              </a:avLst>
+            </a:prstGeom>
+          </p:spPr>
+          <p:style>
+            <a:lnRef idx="2">
+              <a:schemeClr val="accent1">
+                <a:shade val="50000"/>
+              </a:schemeClr>
+            </a:lnRef>
+            <a:fillRef idx="1">
+              <a:schemeClr val="accent1"/>
+            </a:fillRef>
+            <a:effectRef idx="0">
+              <a:schemeClr val="accent1"/>
+            </a:effectRef>
+            <a:fontRef idx="minor">
+              <a:schemeClr val="lt1"/>
+            </a:fontRef>
+          </p:style>
+          <p:txBody>
+            <a:bodyPr rtlCol="0" anchor="ctr"/>
+            <a:lstStyle/>
+            <a:p>
+              <a:pPr algn="ctr"/>
+              <a:r>
+                <a:rPr lang="fr-CA" sz="1400" dirty="0"/>
+                <a:t>I/O</a:t>
+              </a:r>
+            </a:p>
+          </p:txBody>
+        </p:sp>
+        <p:sp>
+          <p:nvSpPr>
+            <p:cNvPr id="94" name="Rectangle : coins arrondis 93">
+              <a:extLst>
+                <a:ext uri="{FF2B5EF4-FFF2-40B4-BE49-F238E27FC236}">
+                  <a16:creationId xmlns:a16="http://schemas.microsoft.com/office/drawing/2014/main" id="{0FE7A809-AFDC-4BE3-BCD4-36656E551CFB}"/>
+                </a:ext>
+              </a:extLst>
+            </p:cNvPr>
+            <p:cNvSpPr/>
+            <p:nvPr/>
+          </p:nvSpPr>
+          <p:spPr>
+            <a:xfrm>
+              <a:off x="3870152" y="3545582"/>
+              <a:ext cx="1118010" cy="536895"/>
+            </a:xfrm>
+            <a:prstGeom prst="roundRect">
+              <a:avLst/>
+            </a:prstGeom>
+          </p:spPr>
+          <p:style>
+            <a:lnRef idx="2">
+              <a:schemeClr val="accent1">
+                <a:shade val="50000"/>
+              </a:schemeClr>
+            </a:lnRef>
+            <a:fillRef idx="1">
+              <a:schemeClr val="accent1"/>
+            </a:fillRef>
+            <a:effectRef idx="0">
+              <a:schemeClr val="accent1"/>
+            </a:effectRef>
+            <a:fontRef idx="minor">
+              <a:schemeClr val="lt1"/>
+            </a:fontRef>
+          </p:style>
+          <p:txBody>
+            <a:bodyPr rtlCol="0" anchor="ctr"/>
+            <a:lstStyle/>
+            <a:p>
+              <a:pPr algn="ctr"/>
+              <a:r>
+                <a:rPr lang="fr-CA" sz="1400" dirty="0"/>
+                <a:t>Entités</a:t>
+              </a:r>
+            </a:p>
+          </p:txBody>
+        </p:sp>
+        <p:sp>
+          <p:nvSpPr>
+            <p:cNvPr id="95" name="Flèche : double flèche verticale 94">
+              <a:extLst>
+                <a:ext uri="{FF2B5EF4-FFF2-40B4-BE49-F238E27FC236}">
+                  <a16:creationId xmlns:a16="http://schemas.microsoft.com/office/drawing/2014/main" id="{D0A26322-E6B9-480D-8075-E1D6C62AE5B7}"/>
+                </a:ext>
+              </a:extLst>
+            </p:cNvPr>
+            <p:cNvSpPr/>
+            <p:nvPr/>
+          </p:nvSpPr>
+          <p:spPr>
+            <a:xfrm>
+              <a:off x="3870152" y="2755064"/>
+              <a:ext cx="1118010" cy="694762"/>
+            </a:xfrm>
+            <a:prstGeom prst="upDownArrow">
+              <a:avLst>
+                <a:gd name="adj1" fmla="val 67620"/>
+                <a:gd name="adj2" fmla="val 36568"/>
+              </a:avLst>
+            </a:prstGeom>
+          </p:spPr>
+          <p:style>
+            <a:lnRef idx="2">
+              <a:schemeClr val="accent1">
+                <a:shade val="50000"/>
+              </a:schemeClr>
+            </a:lnRef>
+            <a:fillRef idx="1">
+              <a:schemeClr val="accent1"/>
+            </a:fillRef>
+            <a:effectRef idx="0">
+              <a:schemeClr val="accent1"/>
+            </a:effectRef>
+            <a:fontRef idx="minor">
+              <a:schemeClr val="lt1"/>
+            </a:fontRef>
+          </p:style>
+          <p:txBody>
+            <a:bodyPr rtlCol="0" anchor="ctr"/>
+            <a:lstStyle/>
+            <a:p>
+              <a:pPr algn="ctr"/>
+              <a:r>
+                <a:rPr lang="fr-CA" sz="1400" dirty="0" err="1"/>
+                <a:t>Transco</a:t>
+              </a:r>
+              <a:endParaRPr lang="fr-CA" sz="1400" dirty="0"/>
+            </a:p>
+          </p:txBody>
+        </p:sp>
+      </p:grpSp>
+      <p:grpSp>
+        <p:nvGrpSpPr>
+          <p:cNvPr id="77" name="Groupe 76">
+            <a:extLst>
+              <a:ext uri="{FF2B5EF4-FFF2-40B4-BE49-F238E27FC236}">
+                <a16:creationId xmlns:a16="http://schemas.microsoft.com/office/drawing/2014/main" id="{955396FD-247B-45CB-80C3-7653AB28F27D}"/>
+              </a:ext>
+            </a:extLst>
+          </p:cNvPr>
+          <p:cNvGrpSpPr/>
+          <p:nvPr/>
+        </p:nvGrpSpPr>
+        <p:grpSpPr>
+          <a:xfrm>
+            <a:off x="9579881" y="2510799"/>
+            <a:ext cx="1585520" cy="2211923"/>
+            <a:chOff x="3481430" y="2677519"/>
+            <a:chExt cx="1585520" cy="2211923"/>
+          </a:xfrm>
+        </p:grpSpPr>
+        <p:sp>
+          <p:nvSpPr>
+            <p:cNvPr id="96" name="Rectangle 95">
+              <a:extLst>
+                <a:ext uri="{FF2B5EF4-FFF2-40B4-BE49-F238E27FC236}">
+                  <a16:creationId xmlns:a16="http://schemas.microsoft.com/office/drawing/2014/main" id="{73873FCA-C015-4EE4-8BEF-F419E45EEE7D}"/>
+                </a:ext>
+              </a:extLst>
+            </p:cNvPr>
+            <p:cNvSpPr/>
+            <p:nvPr/>
+          </p:nvSpPr>
+          <p:spPr>
+            <a:xfrm>
+              <a:off x="3801990" y="2677520"/>
+              <a:ext cx="1264960" cy="2211922"/>
+            </a:xfrm>
+            <a:prstGeom prst="rect">
+              <a:avLst/>
+            </a:prstGeom>
+          </p:spPr>
+          <p:style>
+            <a:lnRef idx="1">
+              <a:schemeClr val="accent1"/>
+            </a:lnRef>
+            <a:fillRef idx="2">
+              <a:schemeClr val="accent1"/>
+            </a:fillRef>
+            <a:effectRef idx="1">
+              <a:schemeClr val="accent1"/>
+            </a:effectRef>
+            <a:fontRef idx="minor">
+              <a:schemeClr val="dk1"/>
+            </a:fontRef>
+          </p:style>
+          <p:txBody>
+            <a:bodyPr rtlCol="0" anchor="ctr"/>
+            <a:lstStyle/>
+            <a:p>
+              <a:pPr algn="ctr"/>
+              <a:endParaRPr lang="fr-CA" dirty="0"/>
+            </a:p>
+          </p:txBody>
+        </p:sp>
+        <p:sp>
+          <p:nvSpPr>
+            <p:cNvPr id="97" name="Rectangle 96">
+              <a:extLst>
+                <a:ext uri="{FF2B5EF4-FFF2-40B4-BE49-F238E27FC236}">
+                  <a16:creationId xmlns:a16="http://schemas.microsoft.com/office/drawing/2014/main" id="{ADB0B892-316F-4489-AA42-86E7A4FA7B29}"/>
+                </a:ext>
+              </a:extLst>
+            </p:cNvPr>
+            <p:cNvSpPr/>
+            <p:nvPr/>
+          </p:nvSpPr>
+          <p:spPr>
+            <a:xfrm rot="16200000">
+              <a:off x="2535748" y="3623201"/>
+              <a:ext cx="2211923" cy="320560"/>
+            </a:xfrm>
+            <a:prstGeom prst="rect">
+              <a:avLst/>
+            </a:prstGeom>
+          </p:spPr>
+          <p:style>
+            <a:lnRef idx="2">
+              <a:schemeClr val="accent1">
+                <a:shade val="50000"/>
+              </a:schemeClr>
+            </a:lnRef>
+            <a:fillRef idx="1">
+              <a:schemeClr val="accent1"/>
+            </a:fillRef>
+            <a:effectRef idx="0">
+              <a:schemeClr val="accent1"/>
+            </a:effectRef>
+            <a:fontRef idx="minor">
+              <a:schemeClr val="lt1"/>
+            </a:fontRef>
+          </p:style>
+          <p:txBody>
+            <a:bodyPr rtlCol="0" anchor="ctr"/>
+            <a:lstStyle/>
+            <a:p>
+              <a:pPr algn="ctr"/>
+              <a:r>
+                <a:rPr lang="fr-CA" dirty="0" err="1"/>
+                <a:t>External</a:t>
+              </a:r>
+              <a:r>
+                <a:rPr lang="fr-CA" dirty="0"/>
+                <a:t> Plugin 4</a:t>
+              </a:r>
+            </a:p>
+          </p:txBody>
+        </p:sp>
+        <p:sp>
+          <p:nvSpPr>
+            <p:cNvPr id="98" name="Flèche : double flèche verticale 97">
+              <a:extLst>
+                <a:ext uri="{FF2B5EF4-FFF2-40B4-BE49-F238E27FC236}">
+                  <a16:creationId xmlns:a16="http://schemas.microsoft.com/office/drawing/2014/main" id="{C79D7AF7-175A-4B81-AAFA-4BACE22C6750}"/>
+                </a:ext>
+              </a:extLst>
+            </p:cNvPr>
+            <p:cNvSpPr/>
+            <p:nvPr/>
+          </p:nvSpPr>
+          <p:spPr>
+            <a:xfrm>
+              <a:off x="3870153" y="4149781"/>
+              <a:ext cx="1118010" cy="694762"/>
+            </a:xfrm>
+            <a:prstGeom prst="upDownArrow">
+              <a:avLst>
+                <a:gd name="adj1" fmla="val 67620"/>
+                <a:gd name="adj2" fmla="val 36568"/>
+              </a:avLst>
+            </a:prstGeom>
+          </p:spPr>
+          <p:style>
+            <a:lnRef idx="2">
+              <a:schemeClr val="accent1">
+                <a:shade val="50000"/>
+              </a:schemeClr>
+            </a:lnRef>
+            <a:fillRef idx="1">
+              <a:schemeClr val="accent1"/>
+            </a:fillRef>
+            <a:effectRef idx="0">
+              <a:schemeClr val="accent1"/>
+            </a:effectRef>
+            <a:fontRef idx="minor">
+              <a:schemeClr val="lt1"/>
+            </a:fontRef>
+          </p:style>
+          <p:txBody>
+            <a:bodyPr rtlCol="0" anchor="ctr"/>
+            <a:lstStyle/>
+            <a:p>
+              <a:pPr algn="ctr"/>
+              <a:r>
+                <a:rPr lang="fr-CA" sz="1400" dirty="0"/>
+                <a:t>I/O</a:t>
+              </a:r>
+            </a:p>
+          </p:txBody>
+        </p:sp>
+        <p:sp>
+          <p:nvSpPr>
+            <p:cNvPr id="99" name="Rectangle : coins arrondis 98">
+              <a:extLst>
+                <a:ext uri="{FF2B5EF4-FFF2-40B4-BE49-F238E27FC236}">
+                  <a16:creationId xmlns:a16="http://schemas.microsoft.com/office/drawing/2014/main" id="{83B1CB2B-9A16-40ED-9DFC-E1FCB47468C0}"/>
+                </a:ext>
+              </a:extLst>
+            </p:cNvPr>
+            <p:cNvSpPr/>
+            <p:nvPr/>
+          </p:nvSpPr>
+          <p:spPr>
+            <a:xfrm>
+              <a:off x="3870152" y="3545582"/>
+              <a:ext cx="1118010" cy="536895"/>
+            </a:xfrm>
+            <a:prstGeom prst="roundRect">
+              <a:avLst/>
+            </a:prstGeom>
+          </p:spPr>
+          <p:style>
+            <a:lnRef idx="2">
+              <a:schemeClr val="accent1">
+                <a:shade val="50000"/>
+              </a:schemeClr>
+            </a:lnRef>
+            <a:fillRef idx="1">
+              <a:schemeClr val="accent1"/>
+            </a:fillRef>
+            <a:effectRef idx="0">
+              <a:schemeClr val="accent1"/>
+            </a:effectRef>
+            <a:fontRef idx="minor">
+              <a:schemeClr val="lt1"/>
+            </a:fontRef>
+          </p:style>
+          <p:txBody>
+            <a:bodyPr rtlCol="0" anchor="ctr"/>
+            <a:lstStyle/>
+            <a:p>
+              <a:pPr algn="ctr"/>
+              <a:r>
+                <a:rPr lang="fr-CA" sz="1400" dirty="0" err="1"/>
+                <a:t>Entities</a:t>
+              </a:r>
+              <a:endParaRPr lang="fr-CA" sz="1400" dirty="0"/>
+            </a:p>
+          </p:txBody>
+        </p:sp>
+        <p:sp>
+          <p:nvSpPr>
+            <p:cNvPr id="100" name="Flèche : double flèche verticale 99">
+              <a:extLst>
+                <a:ext uri="{FF2B5EF4-FFF2-40B4-BE49-F238E27FC236}">
+                  <a16:creationId xmlns:a16="http://schemas.microsoft.com/office/drawing/2014/main" id="{A5ABEA76-DA03-4CA5-89BC-731AD7B177BE}"/>
+                </a:ext>
+              </a:extLst>
+            </p:cNvPr>
+            <p:cNvSpPr/>
+            <p:nvPr/>
+          </p:nvSpPr>
+          <p:spPr>
+            <a:xfrm>
+              <a:off x="3870152" y="2755064"/>
+              <a:ext cx="1118010" cy="694762"/>
+            </a:xfrm>
+            <a:prstGeom prst="upDownArrow">
+              <a:avLst>
+                <a:gd name="adj1" fmla="val 67620"/>
+                <a:gd name="adj2" fmla="val 36568"/>
+              </a:avLst>
+            </a:prstGeom>
+          </p:spPr>
+          <p:style>
+            <a:lnRef idx="2">
+              <a:schemeClr val="accent1">
+                <a:shade val="50000"/>
+              </a:schemeClr>
+            </a:lnRef>
+            <a:fillRef idx="1">
+              <a:schemeClr val="accent1"/>
+            </a:fillRef>
+            <a:effectRef idx="0">
+              <a:schemeClr val="accent1"/>
+            </a:effectRef>
+            <a:fontRef idx="minor">
+              <a:schemeClr val="lt1"/>
+            </a:fontRef>
+          </p:style>
+          <p:txBody>
+            <a:bodyPr rtlCol="0" anchor="ctr"/>
+            <a:lstStyle/>
+            <a:p>
+              <a:pPr algn="ctr"/>
+              <a:r>
+                <a:rPr lang="fr-CA" sz="1400" dirty="0" err="1"/>
+                <a:t>Transco</a:t>
+              </a:r>
+              <a:endParaRPr lang="fr-CA" sz="1400" dirty="0"/>
+            </a:p>
+          </p:txBody>
+        </p:sp>
+      </p:grpSp>
+      <p:grpSp>
+        <p:nvGrpSpPr>
+          <p:cNvPr id="7" name="Plugin Hastus 2">
+            <a:extLst>
+              <a:ext uri="{FF2B5EF4-FFF2-40B4-BE49-F238E27FC236}">
+                <a16:creationId xmlns:a16="http://schemas.microsoft.com/office/drawing/2014/main" id="{B85684FF-0419-4EFF-958D-E36682B6A955}"/>
+              </a:ext>
+            </a:extLst>
+          </p:cNvPr>
+          <p:cNvGrpSpPr/>
+          <p:nvPr/>
+        </p:nvGrpSpPr>
+        <p:grpSpPr>
+          <a:xfrm>
+            <a:off x="1014876" y="2507664"/>
+            <a:ext cx="1585520" cy="2211923"/>
+            <a:chOff x="246325" y="3577233"/>
+            <a:chExt cx="1585520" cy="2211923"/>
+          </a:xfrm>
+        </p:grpSpPr>
+        <p:sp>
+          <p:nvSpPr>
+            <p:cNvPr id="104" name="Rectangle 103">
+              <a:extLst>
+                <a:ext uri="{FF2B5EF4-FFF2-40B4-BE49-F238E27FC236}">
+                  <a16:creationId xmlns:a16="http://schemas.microsoft.com/office/drawing/2014/main" id="{837918C9-1A08-41F6-AD62-A8832B445522}"/>
+                </a:ext>
+              </a:extLst>
+            </p:cNvPr>
+            <p:cNvSpPr/>
+            <p:nvPr/>
+          </p:nvSpPr>
+          <p:spPr>
+            <a:xfrm>
+              <a:off x="566885" y="3577234"/>
+              <a:ext cx="1264960" cy="2211922"/>
+            </a:xfrm>
+            <a:prstGeom prst="rect">
+              <a:avLst/>
+            </a:prstGeom>
+          </p:spPr>
+          <p:style>
+            <a:lnRef idx="1">
+              <a:schemeClr val="accent1"/>
+            </a:lnRef>
+            <a:fillRef idx="2">
+              <a:schemeClr val="accent1"/>
+            </a:fillRef>
+            <a:effectRef idx="1">
+              <a:schemeClr val="accent1"/>
+            </a:effectRef>
+            <a:fontRef idx="minor">
+              <a:schemeClr val="dk1"/>
+            </a:fontRef>
+          </p:style>
+          <p:txBody>
+            <a:bodyPr rtlCol="0" anchor="ctr"/>
+            <a:lstStyle/>
+            <a:p>
+              <a:pPr algn="ctr"/>
+              <a:endParaRPr lang="fr-CA" dirty="0"/>
+            </a:p>
+          </p:txBody>
+        </p:sp>
+        <p:sp>
+          <p:nvSpPr>
+            <p:cNvPr id="105" name="Rectangle 104">
+              <a:extLst>
+                <a:ext uri="{FF2B5EF4-FFF2-40B4-BE49-F238E27FC236}">
+                  <a16:creationId xmlns:a16="http://schemas.microsoft.com/office/drawing/2014/main" id="{B4C856A1-C389-4E0F-89FD-D3E41401E6CC}"/>
+                </a:ext>
+              </a:extLst>
+            </p:cNvPr>
+            <p:cNvSpPr/>
+            <p:nvPr/>
+          </p:nvSpPr>
+          <p:spPr>
+            <a:xfrm rot="16200000">
+              <a:off x="-699357" y="4522915"/>
+              <a:ext cx="2211923" cy="320560"/>
+            </a:xfrm>
+            <a:prstGeom prst="rect">
+              <a:avLst/>
+            </a:prstGeom>
+          </p:spPr>
+          <p:style>
+            <a:lnRef idx="2">
+              <a:schemeClr val="accent1">
+                <a:shade val="50000"/>
+              </a:schemeClr>
+            </a:lnRef>
+            <a:fillRef idx="1">
+              <a:schemeClr val="accent1"/>
+            </a:fillRef>
+            <a:effectRef idx="0">
+              <a:schemeClr val="accent1"/>
+            </a:effectRef>
+            <a:fontRef idx="minor">
+              <a:schemeClr val="lt1"/>
+            </a:fontRef>
+          </p:style>
+          <p:txBody>
+            <a:bodyPr rtlCol="0" anchor="ctr"/>
+            <a:lstStyle/>
+            <a:p>
+              <a:pPr algn="ctr"/>
+              <a:r>
+                <a:rPr lang="fr-CA" dirty="0" err="1"/>
+                <a:t>Hastus</a:t>
+              </a:r>
+              <a:r>
+                <a:rPr lang="fr-CA" dirty="0"/>
+                <a:t> Plugin</a:t>
+              </a:r>
+              <a:endParaRPr lang="fr-CA" b="1" i="1" dirty="0">
+                <a:solidFill>
+                  <a:schemeClr val="accent5"/>
+                </a:solidFill>
+              </a:endParaRPr>
+            </a:p>
+          </p:txBody>
+        </p:sp>
+        <p:sp>
+          <p:nvSpPr>
+            <p:cNvPr id="101" name="Flèche : double flèche verticale 100">
+              <a:extLst>
+                <a:ext uri="{FF2B5EF4-FFF2-40B4-BE49-F238E27FC236}">
+                  <a16:creationId xmlns:a16="http://schemas.microsoft.com/office/drawing/2014/main" id="{17C20014-7C34-4BF4-ADD1-4C4AC37EF0CB}"/>
+                </a:ext>
+              </a:extLst>
+            </p:cNvPr>
+            <p:cNvSpPr/>
+            <p:nvPr/>
+          </p:nvSpPr>
+          <p:spPr>
+            <a:xfrm>
+              <a:off x="653141" y="3634446"/>
+              <a:ext cx="1118010" cy="2099311"/>
+            </a:xfrm>
+            <a:prstGeom prst="upDownArrow">
+              <a:avLst>
+                <a:gd name="adj1" fmla="val 67620"/>
+                <a:gd name="adj2" fmla="val 36568"/>
+              </a:avLst>
+            </a:prstGeom>
+          </p:spPr>
+          <p:style>
+            <a:lnRef idx="2">
+              <a:schemeClr val="accent1">
+                <a:shade val="50000"/>
+              </a:schemeClr>
+            </a:lnRef>
+            <a:fillRef idx="1">
+              <a:schemeClr val="accent1"/>
+            </a:fillRef>
+            <a:effectRef idx="0">
+              <a:schemeClr val="accent1"/>
+            </a:effectRef>
+            <a:fontRef idx="minor">
+              <a:schemeClr val="lt1"/>
+            </a:fontRef>
+          </p:style>
+          <p:txBody>
+            <a:bodyPr rtlCol="0" anchor="ctr"/>
+            <a:lstStyle/>
+            <a:p>
+              <a:pPr algn="ctr"/>
+              <a:r>
+                <a:rPr lang="fr-CA" sz="1600" i="1" dirty="0" err="1"/>
+                <a:t>Parser</a:t>
+              </a:r>
+              <a:endParaRPr lang="fr-CA" sz="1600" i="1" dirty="0"/>
+            </a:p>
+          </p:txBody>
+        </p:sp>
+      </p:grpSp>
+      <p:sp>
+        <p:nvSpPr>
+          <p:cNvPr id="11" name="Flèche : double flèche verticale 10">
+            <a:extLst>
+              <a:ext uri="{FF2B5EF4-FFF2-40B4-BE49-F238E27FC236}">
+                <a16:creationId xmlns:a16="http://schemas.microsoft.com/office/drawing/2014/main" id="{AA5163B2-B924-95F8-05ED-524A36AC0A21}"/>
+              </a:ext>
+            </a:extLst>
+          </p:cNvPr>
+          <p:cNvSpPr/>
+          <p:nvPr/>
+        </p:nvSpPr>
+        <p:spPr>
+          <a:xfrm>
+            <a:off x="9587344" y="4923336"/>
+            <a:ext cx="1584000" cy="694667"/>
+          </a:xfrm>
+          <a:prstGeom prst="upDownArrow">
+            <a:avLst>
+              <a:gd name="adj1" fmla="val 67778"/>
+              <a:gd name="adj2" fmla="val 28401"/>
+            </a:avLst>
+          </a:prstGeom>
+        </p:spPr>
+        <p:style>
+          <a:lnRef idx="2">
+            <a:schemeClr val="accent1">
+              <a:shade val="50000"/>
+            </a:schemeClr>
+          </a:lnRef>
+          <a:fillRef idx="1">
+            <a:schemeClr val="accent1"/>
+          </a:fillRef>
+          <a:effectRef idx="0">
+            <a:schemeClr val="accent1"/>
+          </a:effectRef>
+          <a:fontRef idx="minor">
+            <a:schemeClr val="lt1"/>
+          </a:fontRef>
+        </p:style>
+        <p:txBody>
+          <a:bodyPr rtlCol="0" anchor="ctr"/>
+          <a:lstStyle/>
+          <a:p>
+            <a:pPr algn="ctr"/>
+            <a:r>
+              <a:rPr lang="fr-CA" dirty="0"/>
+              <a:t>XML API</a:t>
+            </a:r>
+          </a:p>
+        </p:txBody>
+      </p:sp>
+    </p:spTree>
+    <p:extLst>
+      <p:ext uri="{BB962C8B-B14F-4D97-AF65-F5344CB8AC3E}">
+        <p14:creationId xmlns:p14="http://schemas.microsoft.com/office/powerpoint/2010/main" val="48460808"/>
       </p:ext>
     </p:extLst>
   </p:cSld>
